--- a/Презентация.pptx
+++ b/Презентация.pptx
@@ -9,8 +9,11 @@
     <p:sldId id="258" r:id="rId3"/>
     <p:sldId id="259" r:id="rId4"/>
     <p:sldId id="260" r:id="rId5"/>
-    <p:sldId id="261" r:id="rId6"/>
-    <p:sldId id="262" r:id="rId7"/>
+    <p:sldId id="263" r:id="rId6"/>
+    <p:sldId id="264" r:id="rId7"/>
+    <p:sldId id="265" r:id="rId8"/>
+    <p:sldId id="261" r:id="rId9"/>
+    <p:sldId id="262" r:id="rId10"/>
   </p:sldIdLst>
   <p:sldSz cx="12192000" cy="6858000"/>
   <p:notesSz cx="6858000" cy="9144000"/>
@@ -6020,15 +6023,7 @@
                   <a:schemeClr val="tx1"/>
                 </a:solidFill>
               </a:rPr>
-              <a:t>Дата: </a:t>
-            </a:r>
-            <a:r>
-              <a:rPr lang="ru-RU" sz="2000" dirty="0" smtClean="0">
-                <a:solidFill>
-                  <a:schemeClr val="tx1"/>
-                </a:solidFill>
-              </a:rPr>
-              <a:t>1</a:t>
+              <a:t>Дата: 1</a:t>
             </a:r>
             <a:r>
               <a:rPr lang="en-US" sz="2000" dirty="0" smtClean="0">
@@ -6316,7 +6311,6 @@
               <a:rPr lang="ru-RU" dirty="0"/>
               <a:t>ПК 4.1. Осуществлять инсталляцию, настройку и обслуживание программного обеспечения компьютерных систем</a:t>
             </a:r>
-            <a:endParaRPr lang="ru-RU" dirty="0"/>
           </a:p>
         </p:txBody>
       </p:sp>
@@ -6344,11 +6338,7 @@
           <a:p>
             <a:r>
               <a:rPr lang="ru-RU" dirty="0" smtClean="0"/>
-              <a:t>На </a:t>
-            </a:r>
-            <a:r>
-              <a:rPr lang="ru-RU" dirty="0" smtClean="0"/>
-              <a:t>примере</a:t>
+              <a:t>На примере</a:t>
             </a:r>
             <a:endParaRPr lang="ru-RU" dirty="0"/>
           </a:p>
@@ -6490,7 +6480,6 @@
               <a:rPr lang="ru-RU" dirty="0"/>
               <a:t>ПК 4.2 Осуществлять измерения эксплуатационных характеристик программного обеспечения компьютерных систем</a:t>
             </a:r>
-            <a:endParaRPr lang="ru-RU" dirty="0"/>
           </a:p>
         </p:txBody>
       </p:sp>
@@ -6503,7 +6492,7 @@
         <p:spPr>
           <a:xfrm>
             <a:off x="465992" y="6348046"/>
-            <a:ext cx="1447832" cy="369332"/>
+            <a:ext cx="3498073" cy="369332"/>
           </a:xfrm>
           <a:prstGeom prst="rect">
             <a:avLst/>
@@ -6523,6 +6512,14 @@
             <a:r>
               <a:rPr lang="ru-RU" dirty="0" smtClean="0"/>
               <a:t>примере</a:t>
+            </a:r>
+            <a:r>
+              <a:rPr lang="en-US" dirty="0" smtClean="0"/>
+              <a:t> </a:t>
+            </a:r>
+            <a:r>
+              <a:rPr lang="ru-RU" dirty="0" smtClean="0"/>
+              <a:t>курсового проекта</a:t>
             </a:r>
             <a:endParaRPr lang="ru-RU" dirty="0"/>
           </a:p>
@@ -6565,6 +6562,624 @@
           <a:chExt cx="0" cy="0"/>
         </a:xfrm>
       </p:grpSpPr>
+      <p:pic>
+        <p:nvPicPr>
+          <p:cNvPr id="2" name="Рисунок 1"/>
+          <p:cNvPicPr>
+            <a:picLocks noChangeAspect="1"/>
+          </p:cNvPicPr>
+          <p:nvPr/>
+        </p:nvPicPr>
+        <p:blipFill>
+          <a:blip r:embed="rId2"/>
+          <a:stretch>
+            <a:fillRect/>
+          </a:stretch>
+        </p:blipFill>
+        <p:spPr>
+          <a:xfrm>
+            <a:off x="142745" y="1148662"/>
+            <a:ext cx="6087726" cy="3846790"/>
+          </a:xfrm>
+          <a:prstGeom prst="rect">
+            <a:avLst/>
+          </a:prstGeom>
+          <a:ln>
+            <a:noFill/>
+          </a:ln>
+          <a:effectLst>
+            <a:outerShdw blurRad="190500" algn="tl" rotWithShape="0">
+              <a:srgbClr val="000000">
+                <a:alpha val="70000"/>
+              </a:srgbClr>
+            </a:outerShdw>
+          </a:effectLst>
+        </p:spPr>
+      </p:pic>
+      <p:sp>
+        <p:nvSpPr>
+          <p:cNvPr id="3" name="TextBox 2"/>
+          <p:cNvSpPr txBox="1"/>
+          <p:nvPr/>
+        </p:nvSpPr>
+        <p:spPr>
+          <a:xfrm>
+            <a:off x="861647" y="186191"/>
+            <a:ext cx="9825126" cy="584775"/>
+          </a:xfrm>
+          <a:prstGeom prst="rect">
+            <a:avLst/>
+          </a:prstGeom>
+          <a:noFill/>
+        </p:spPr>
+        <p:txBody>
+          <a:bodyPr wrap="none" rtlCol="0">
+            <a:spAutoFit/>
+          </a:bodyPr>
+          <a:lstStyle/>
+          <a:p>
+            <a:r>
+              <a:rPr lang="ru-RU" sz="3200" dirty="0" smtClean="0"/>
+              <a:t>Диагностика расходуемых приложением ресурсов</a:t>
+            </a:r>
+            <a:endParaRPr lang="ru-RU" sz="3200" dirty="0"/>
+          </a:p>
+        </p:txBody>
+      </p:sp>
+      <p:pic>
+        <p:nvPicPr>
+          <p:cNvPr id="5" name="Рисунок 4"/>
+          <p:cNvPicPr>
+            <a:picLocks noChangeAspect="1"/>
+          </p:cNvPicPr>
+          <p:nvPr/>
+        </p:nvPicPr>
+        <p:blipFill>
+          <a:blip r:embed="rId3"/>
+          <a:stretch>
+            <a:fillRect/>
+          </a:stretch>
+        </p:blipFill>
+        <p:spPr>
+          <a:xfrm>
+            <a:off x="6475053" y="1148662"/>
+            <a:ext cx="5425820" cy="3846790"/>
+          </a:xfrm>
+          <a:prstGeom prst="rect">
+            <a:avLst/>
+          </a:prstGeom>
+          <a:ln>
+            <a:noFill/>
+          </a:ln>
+          <a:effectLst>
+            <a:outerShdw blurRad="190500" algn="tl" rotWithShape="0">
+              <a:srgbClr val="000000">
+                <a:alpha val="70000"/>
+              </a:srgbClr>
+            </a:outerShdw>
+          </a:effectLst>
+        </p:spPr>
+      </p:pic>
+      <p:pic>
+        <p:nvPicPr>
+          <p:cNvPr id="8" name="Рисунок 7"/>
+          <p:cNvPicPr>
+            <a:picLocks noChangeAspect="1"/>
+          </p:cNvPicPr>
+          <p:nvPr/>
+        </p:nvPicPr>
+        <p:blipFill>
+          <a:blip r:embed="rId4"/>
+          <a:stretch>
+            <a:fillRect/>
+          </a:stretch>
+        </p:blipFill>
+        <p:spPr>
+          <a:xfrm>
+            <a:off x="2116610" y="5179551"/>
+            <a:ext cx="7315200" cy="1465346"/>
+          </a:xfrm>
+          <a:prstGeom prst="rect">
+            <a:avLst/>
+          </a:prstGeom>
+          <a:ln>
+            <a:noFill/>
+          </a:ln>
+          <a:effectLst>
+            <a:outerShdw blurRad="190500" algn="tl" rotWithShape="0">
+              <a:srgbClr val="000000">
+                <a:alpha val="70000"/>
+              </a:srgbClr>
+            </a:outerShdw>
+          </a:effectLst>
+        </p:spPr>
+      </p:pic>
+    </p:spTree>
+    <p:extLst>
+      <p:ext uri="{BB962C8B-B14F-4D97-AF65-F5344CB8AC3E}">
+        <p14:creationId xmlns:p14="http://schemas.microsoft.com/office/powerpoint/2010/main" val="3997625970"/>
+      </p:ext>
+    </p:extLst>
+  </p:cSld>
+  <p:clrMapOvr>
+    <a:masterClrMapping/>
+  </p:clrMapOvr>
+</p:sld>
+</file>
+
+<file path=ppt/slides/slide6.xml><?xml version="1.0" encoding="utf-8"?>
+<p:sld xmlns:a="http://schemas.openxmlformats.org/drawingml/2006/main" xmlns:r="http://schemas.openxmlformats.org/officeDocument/2006/relationships" xmlns:p="http://schemas.openxmlformats.org/presentationml/2006/main">
+  <p:cSld>
+    <p:spTree>
+      <p:nvGrpSpPr>
+        <p:cNvPr id="1" name=""/>
+        <p:cNvGrpSpPr/>
+        <p:nvPr/>
+      </p:nvGrpSpPr>
+      <p:grpSpPr>
+        <a:xfrm>
+          <a:off x="0" y="0"/>
+          <a:ext cx="0" cy="0"/>
+          <a:chOff x="0" y="0"/>
+          <a:chExt cx="0" cy="0"/>
+        </a:xfrm>
+      </p:grpSpPr>
+      <p:sp>
+        <p:nvSpPr>
+          <p:cNvPr id="2" name="TextBox 1"/>
+          <p:cNvSpPr txBox="1"/>
+          <p:nvPr/>
+        </p:nvSpPr>
+        <p:spPr>
+          <a:xfrm>
+            <a:off x="294456" y="337556"/>
+            <a:ext cx="10750059" cy="584775"/>
+          </a:xfrm>
+          <a:prstGeom prst="rect">
+            <a:avLst/>
+          </a:prstGeom>
+          <a:noFill/>
+        </p:spPr>
+        <p:txBody>
+          <a:bodyPr wrap="none" rtlCol="0">
+            <a:spAutoFit/>
+          </a:bodyPr>
+          <a:lstStyle/>
+          <a:p>
+            <a:r>
+              <a:rPr lang="ru-RU" sz="3200" dirty="0" smtClean="0"/>
+              <a:t>Анализ необходимых эксплуатационных характеристик</a:t>
+            </a:r>
+            <a:endParaRPr lang="ru-RU" sz="3200" dirty="0"/>
+          </a:p>
+        </p:txBody>
+      </p:sp>
+      <p:pic>
+        <p:nvPicPr>
+          <p:cNvPr id="3" name="Рисунок 2"/>
+          <p:cNvPicPr>
+            <a:picLocks noChangeAspect="1"/>
+          </p:cNvPicPr>
+          <p:nvPr/>
+        </p:nvPicPr>
+        <p:blipFill>
+          <a:blip r:embed="rId2"/>
+          <a:stretch>
+            <a:fillRect/>
+          </a:stretch>
+        </p:blipFill>
+        <p:spPr>
+          <a:xfrm>
+            <a:off x="294456" y="2250380"/>
+            <a:ext cx="6714896" cy="3200400"/>
+          </a:xfrm>
+          <a:prstGeom prst="rect">
+            <a:avLst/>
+          </a:prstGeom>
+          <a:ln>
+            <a:noFill/>
+          </a:ln>
+          <a:effectLst>
+            <a:outerShdw blurRad="190500" algn="tl" rotWithShape="0">
+              <a:srgbClr val="000000">
+                <a:alpha val="70000"/>
+              </a:srgbClr>
+            </a:outerShdw>
+          </a:effectLst>
+        </p:spPr>
+      </p:pic>
+      <p:pic>
+        <p:nvPicPr>
+          <p:cNvPr id="4" name="Рисунок 3"/>
+          <p:cNvPicPr>
+            <a:picLocks noChangeAspect="1"/>
+          </p:cNvPicPr>
+          <p:nvPr/>
+        </p:nvPicPr>
+        <p:blipFill>
+          <a:blip r:embed="rId3"/>
+          <a:stretch>
+            <a:fillRect/>
+          </a:stretch>
+        </p:blipFill>
+        <p:spPr>
+          <a:xfrm>
+            <a:off x="7241931" y="2038914"/>
+            <a:ext cx="4566138" cy="3623332"/>
+          </a:xfrm>
+          <a:prstGeom prst="rect">
+            <a:avLst/>
+          </a:prstGeom>
+          <a:ln>
+            <a:noFill/>
+          </a:ln>
+          <a:effectLst>
+            <a:outerShdw blurRad="190500" algn="tl" rotWithShape="0">
+              <a:srgbClr val="000000">
+                <a:alpha val="70000"/>
+              </a:srgbClr>
+            </a:outerShdw>
+          </a:effectLst>
+        </p:spPr>
+      </p:pic>
+      <p:sp>
+        <p:nvSpPr>
+          <p:cNvPr id="5" name="TextBox 4"/>
+          <p:cNvSpPr txBox="1"/>
+          <p:nvPr/>
+        </p:nvSpPr>
+        <p:spPr>
+          <a:xfrm>
+            <a:off x="4748399" y="922331"/>
+            <a:ext cx="1842171" cy="584775"/>
+          </a:xfrm>
+          <a:prstGeom prst="rect">
+            <a:avLst/>
+          </a:prstGeom>
+          <a:noFill/>
+        </p:spPr>
+        <p:txBody>
+          <a:bodyPr wrap="none" rtlCol="0">
+            <a:spAutoFit/>
+          </a:bodyPr>
+          <a:lstStyle/>
+          <a:p>
+            <a:r>
+              <a:rPr lang="en-US" sz="3200" dirty="0" smtClean="0"/>
+              <a:t>(</a:t>
+            </a:r>
+            <a:r>
+              <a:rPr lang="ru-RU" sz="3200" dirty="0" smtClean="0"/>
+              <a:t>Клиент</a:t>
+            </a:r>
+            <a:r>
+              <a:rPr lang="en-US" sz="3200" dirty="0" smtClean="0"/>
+              <a:t>)</a:t>
+            </a:r>
+            <a:endParaRPr lang="ru-RU" sz="3200" dirty="0"/>
+          </a:p>
+        </p:txBody>
+      </p:sp>
+    </p:spTree>
+    <p:extLst>
+      <p:ext uri="{BB962C8B-B14F-4D97-AF65-F5344CB8AC3E}">
+        <p14:creationId xmlns:p14="http://schemas.microsoft.com/office/powerpoint/2010/main" val="4195405552"/>
+      </p:ext>
+    </p:extLst>
+  </p:cSld>
+  <p:clrMapOvr>
+    <a:masterClrMapping/>
+  </p:clrMapOvr>
+</p:sld>
+</file>
+
+<file path=ppt/slides/slide7.xml><?xml version="1.0" encoding="utf-8"?>
+<p:sld xmlns:a="http://schemas.openxmlformats.org/drawingml/2006/main" xmlns:r="http://schemas.openxmlformats.org/officeDocument/2006/relationships" xmlns:p="http://schemas.openxmlformats.org/presentationml/2006/main">
+  <p:cSld>
+    <p:spTree>
+      <p:nvGrpSpPr>
+        <p:cNvPr id="1" name=""/>
+        <p:cNvGrpSpPr/>
+        <p:nvPr/>
+      </p:nvGrpSpPr>
+      <p:grpSpPr>
+        <a:xfrm>
+          <a:off x="0" y="0"/>
+          <a:ext cx="0" cy="0"/>
+          <a:chOff x="0" y="0"/>
+          <a:chExt cx="0" cy="0"/>
+        </a:xfrm>
+      </p:grpSpPr>
+      <p:pic>
+        <p:nvPicPr>
+          <p:cNvPr id="2" name="Рисунок 1"/>
+          <p:cNvPicPr>
+            <a:picLocks noChangeAspect="1"/>
+          </p:cNvPicPr>
+          <p:nvPr/>
+        </p:nvPicPr>
+        <p:blipFill>
+          <a:blip r:embed="rId2"/>
+          <a:stretch>
+            <a:fillRect/>
+          </a:stretch>
+        </p:blipFill>
+        <p:spPr>
+          <a:xfrm>
+            <a:off x="408756" y="2342143"/>
+            <a:ext cx="6477272" cy="1591616"/>
+          </a:xfrm>
+          <a:prstGeom prst="rect">
+            <a:avLst/>
+          </a:prstGeom>
+          <a:ln>
+            <a:noFill/>
+          </a:ln>
+          <a:effectLst>
+            <a:outerShdw blurRad="190500" algn="tl" rotWithShape="0">
+              <a:srgbClr val="000000">
+                <a:alpha val="70000"/>
+              </a:srgbClr>
+            </a:outerShdw>
+          </a:effectLst>
+        </p:spPr>
+      </p:pic>
+      <p:sp>
+        <p:nvSpPr>
+          <p:cNvPr id="3" name="TextBox 2"/>
+          <p:cNvSpPr txBox="1"/>
+          <p:nvPr/>
+        </p:nvSpPr>
+        <p:spPr>
+          <a:xfrm>
+            <a:off x="294456" y="337556"/>
+            <a:ext cx="10750059" cy="584775"/>
+          </a:xfrm>
+          <a:prstGeom prst="rect">
+            <a:avLst/>
+          </a:prstGeom>
+          <a:noFill/>
+        </p:spPr>
+        <p:txBody>
+          <a:bodyPr wrap="none" rtlCol="0">
+            <a:spAutoFit/>
+          </a:bodyPr>
+          <a:lstStyle/>
+          <a:p>
+            <a:r>
+              <a:rPr lang="ru-RU" sz="3200" dirty="0" smtClean="0"/>
+              <a:t>Анализ необходимых эксплуатационных характеристик</a:t>
+            </a:r>
+            <a:endParaRPr lang="ru-RU" sz="3200" dirty="0"/>
+          </a:p>
+        </p:txBody>
+      </p:sp>
+      <p:sp>
+        <p:nvSpPr>
+          <p:cNvPr id="4" name="TextBox 3"/>
+          <p:cNvSpPr txBox="1"/>
+          <p:nvPr/>
+        </p:nvSpPr>
+        <p:spPr>
+          <a:xfrm>
+            <a:off x="4748399" y="922331"/>
+            <a:ext cx="1846980" cy="584775"/>
+          </a:xfrm>
+          <a:prstGeom prst="rect">
+            <a:avLst/>
+          </a:prstGeom>
+          <a:noFill/>
+        </p:spPr>
+        <p:txBody>
+          <a:bodyPr wrap="none" rtlCol="0">
+            <a:spAutoFit/>
+          </a:bodyPr>
+          <a:lstStyle/>
+          <a:p>
+            <a:r>
+              <a:rPr lang="en-US" sz="3200" dirty="0" smtClean="0"/>
+              <a:t>(</a:t>
+            </a:r>
+            <a:r>
+              <a:rPr lang="ru-RU" sz="3200" dirty="0" smtClean="0"/>
+              <a:t>Сервер</a:t>
+            </a:r>
+            <a:r>
+              <a:rPr lang="en-US" sz="3200" dirty="0" smtClean="0"/>
+              <a:t>)</a:t>
+            </a:r>
+            <a:endParaRPr lang="ru-RU" sz="3200" dirty="0"/>
+          </a:p>
+        </p:txBody>
+      </p:sp>
+      <p:sp>
+        <p:nvSpPr>
+          <p:cNvPr id="5" name="TextBox 4"/>
+          <p:cNvSpPr txBox="1"/>
+          <p:nvPr/>
+        </p:nvSpPr>
+        <p:spPr>
+          <a:xfrm>
+            <a:off x="3161980" y="1757368"/>
+            <a:ext cx="970824" cy="461665"/>
+          </a:xfrm>
+          <a:prstGeom prst="rect">
+            <a:avLst/>
+          </a:prstGeom>
+          <a:noFill/>
+        </p:spPr>
+        <p:txBody>
+          <a:bodyPr wrap="square" rtlCol="0">
+            <a:spAutoFit/>
+          </a:bodyPr>
+          <a:lstStyle/>
+          <a:p>
+            <a:r>
+              <a:rPr lang="en-US" sz="2400" dirty="0" err="1" smtClean="0"/>
+              <a:t>MySql</a:t>
+            </a:r>
+            <a:endParaRPr lang="ru-RU" sz="2400" dirty="0"/>
+          </a:p>
+        </p:txBody>
+      </p:sp>
+      <p:pic>
+        <p:nvPicPr>
+          <p:cNvPr id="6" name="Рисунок 5"/>
+          <p:cNvPicPr>
+            <a:picLocks noChangeAspect="1"/>
+          </p:cNvPicPr>
+          <p:nvPr/>
+        </p:nvPicPr>
+        <p:blipFill>
+          <a:blip r:embed="rId3"/>
+          <a:stretch>
+            <a:fillRect/>
+          </a:stretch>
+        </p:blipFill>
+        <p:spPr>
+          <a:xfrm>
+            <a:off x="408756" y="4522579"/>
+            <a:ext cx="6816970" cy="1830482"/>
+          </a:xfrm>
+          <a:prstGeom prst="rect">
+            <a:avLst/>
+          </a:prstGeom>
+          <a:ln>
+            <a:noFill/>
+          </a:ln>
+          <a:effectLst>
+            <a:outerShdw blurRad="190500" algn="tl" rotWithShape="0">
+              <a:srgbClr val="000000">
+                <a:alpha val="70000"/>
+              </a:srgbClr>
+            </a:outerShdw>
+          </a:effectLst>
+        </p:spPr>
+      </p:pic>
+      <p:sp>
+        <p:nvSpPr>
+          <p:cNvPr id="7" name="TextBox 6"/>
+          <p:cNvSpPr txBox="1"/>
+          <p:nvPr/>
+        </p:nvSpPr>
+        <p:spPr>
+          <a:xfrm>
+            <a:off x="3249617" y="3933759"/>
+            <a:ext cx="1135247" cy="461665"/>
+          </a:xfrm>
+          <a:prstGeom prst="rect">
+            <a:avLst/>
+          </a:prstGeom>
+          <a:noFill/>
+        </p:spPr>
+        <p:txBody>
+          <a:bodyPr wrap="none" rtlCol="0">
+            <a:spAutoFit/>
+          </a:bodyPr>
+          <a:lstStyle/>
+          <a:p>
+            <a:r>
+              <a:rPr lang="en-US" sz="2400" dirty="0" smtClean="0"/>
+              <a:t>Docker</a:t>
+            </a:r>
+            <a:endParaRPr lang="ru-RU" sz="2400" dirty="0"/>
+          </a:p>
+        </p:txBody>
+      </p:sp>
+      <p:pic>
+        <p:nvPicPr>
+          <p:cNvPr id="8" name="Рисунок 7"/>
+          <p:cNvPicPr>
+            <a:picLocks noChangeAspect="1"/>
+          </p:cNvPicPr>
+          <p:nvPr/>
+        </p:nvPicPr>
+        <p:blipFill>
+          <a:blip r:embed="rId4"/>
+          <a:stretch>
+            <a:fillRect/>
+          </a:stretch>
+        </p:blipFill>
+        <p:spPr>
+          <a:xfrm>
+            <a:off x="7729222" y="2587806"/>
+            <a:ext cx="3450878" cy="3153572"/>
+          </a:xfrm>
+          <a:prstGeom prst="rect">
+            <a:avLst/>
+          </a:prstGeom>
+          <a:ln>
+            <a:noFill/>
+          </a:ln>
+          <a:effectLst>
+            <a:outerShdw blurRad="190500" algn="tl" rotWithShape="0">
+              <a:srgbClr val="000000">
+                <a:alpha val="70000"/>
+              </a:srgbClr>
+            </a:outerShdw>
+          </a:effectLst>
+        </p:spPr>
+      </p:pic>
+      <p:sp>
+        <p:nvSpPr>
+          <p:cNvPr id="9" name="TextBox 8"/>
+          <p:cNvSpPr txBox="1"/>
+          <p:nvPr/>
+        </p:nvSpPr>
+        <p:spPr>
+          <a:xfrm>
+            <a:off x="8747428" y="1988201"/>
+            <a:ext cx="1414466" cy="461665"/>
+          </a:xfrm>
+          <a:prstGeom prst="rect">
+            <a:avLst/>
+          </a:prstGeom>
+          <a:noFill/>
+        </p:spPr>
+        <p:txBody>
+          <a:bodyPr wrap="square" rtlCol="0">
+            <a:spAutoFit/>
+          </a:bodyPr>
+          <a:lstStyle/>
+          <a:p>
+            <a:r>
+              <a:rPr lang="en-US" sz="2400" dirty="0" smtClean="0"/>
+              <a:t>Centos 8</a:t>
+            </a:r>
+            <a:endParaRPr lang="ru-RU" sz="2400" dirty="0"/>
+          </a:p>
+        </p:txBody>
+      </p:sp>
+    </p:spTree>
+    <p:extLst>
+      <p:ext uri="{BB962C8B-B14F-4D97-AF65-F5344CB8AC3E}">
+        <p14:creationId xmlns:p14="http://schemas.microsoft.com/office/powerpoint/2010/main" val="3103713382"/>
+      </p:ext>
+    </p:extLst>
+  </p:cSld>
+  <p:clrMapOvr>
+    <a:masterClrMapping/>
+  </p:clrMapOvr>
+</p:sld>
+</file>
+
+<file path=ppt/slides/slide8.xml><?xml version="1.0" encoding="utf-8"?>
+<p:sld xmlns:a="http://schemas.openxmlformats.org/drawingml/2006/main" xmlns:r="http://schemas.openxmlformats.org/officeDocument/2006/relationships" xmlns:p="http://schemas.openxmlformats.org/presentationml/2006/main">
+  <p:cSld>
+    <p:spTree>
+      <p:nvGrpSpPr>
+        <p:cNvPr id="1" name=""/>
+        <p:cNvGrpSpPr/>
+        <p:nvPr/>
+      </p:nvGrpSpPr>
+      <p:grpSpPr>
+        <a:xfrm>
+          <a:off x="0" y="0"/>
+          <a:ext cx="0" cy="0"/>
+          <a:chOff x="0" y="0"/>
+          <a:chExt cx="0" cy="0"/>
+        </a:xfrm>
+      </p:grpSpPr>
       <p:sp>
         <p:nvSpPr>
           <p:cNvPr id="2" name="Заголовок 1"/>
@@ -6664,7 +7279,6 @@
               <a:rPr lang="ru-RU" dirty="0"/>
               <a:t>ПК 4.3 Выполнять работы по модификации отдельных компонент программного обеспечения в соответствии с потребностями заказчика</a:t>
             </a:r>
-            <a:endParaRPr lang="ru-RU" dirty="0"/>
           </a:p>
         </p:txBody>
       </p:sp>
@@ -6692,11 +7306,7 @@
           <a:p>
             <a:r>
               <a:rPr lang="ru-RU" dirty="0" smtClean="0"/>
-              <a:t>На </a:t>
-            </a:r>
-            <a:r>
-              <a:rPr lang="ru-RU" dirty="0" smtClean="0"/>
-              <a:t>примере</a:t>
+              <a:t>На примере</a:t>
             </a:r>
             <a:endParaRPr lang="ru-RU" dirty="0"/>
           </a:p>
@@ -6722,7 +7332,7 @@
 </p:sld>
 </file>
 
-<file path=ppt/slides/slide6.xml><?xml version="1.0" encoding="utf-8"?>
+<file path=ppt/slides/slide9.xml><?xml version="1.0" encoding="utf-8"?>
 <p:sld xmlns:a="http://schemas.openxmlformats.org/drawingml/2006/main" xmlns:r="http://schemas.openxmlformats.org/officeDocument/2006/relationships" xmlns:p="http://schemas.openxmlformats.org/presentationml/2006/main">
   <p:cSld>
     <p:spTree>
@@ -6870,11 +7480,7 @@
           <a:p>
             <a:r>
               <a:rPr lang="ru-RU" dirty="0" smtClean="0"/>
-              <a:t>На </a:t>
-            </a:r>
-            <a:r>
-              <a:rPr lang="ru-RU" dirty="0" smtClean="0"/>
-              <a:t>примере</a:t>
+              <a:t>На примере</a:t>
             </a:r>
             <a:endParaRPr lang="ru-RU" dirty="0"/>
           </a:p>

--- a/Презентация.pptx
+++ b/Презентация.pptx
@@ -8,12 +8,28 @@
     <p:sldId id="257" r:id="rId2"/>
     <p:sldId id="258" r:id="rId3"/>
     <p:sldId id="259" r:id="rId4"/>
-    <p:sldId id="260" r:id="rId5"/>
-    <p:sldId id="263" r:id="rId6"/>
-    <p:sldId id="264" r:id="rId7"/>
-    <p:sldId id="265" r:id="rId8"/>
-    <p:sldId id="261" r:id="rId9"/>
-    <p:sldId id="262" r:id="rId10"/>
+    <p:sldId id="275" r:id="rId5"/>
+    <p:sldId id="277" r:id="rId6"/>
+    <p:sldId id="281" r:id="rId7"/>
+    <p:sldId id="278" r:id="rId8"/>
+    <p:sldId id="279" r:id="rId9"/>
+    <p:sldId id="280" r:id="rId10"/>
+    <p:sldId id="260" r:id="rId11"/>
+    <p:sldId id="263" r:id="rId12"/>
+    <p:sldId id="264" r:id="rId13"/>
+    <p:sldId id="265" r:id="rId14"/>
+    <p:sldId id="261" r:id="rId15"/>
+    <p:sldId id="266" r:id="rId16"/>
+    <p:sldId id="267" r:id="rId17"/>
+    <p:sldId id="268" r:id="rId18"/>
+    <p:sldId id="269" r:id="rId19"/>
+    <p:sldId id="270" r:id="rId20"/>
+    <p:sldId id="262" r:id="rId21"/>
+    <p:sldId id="272" r:id="rId22"/>
+    <p:sldId id="276" r:id="rId23"/>
+    <p:sldId id="273" r:id="rId24"/>
+    <p:sldId id="271" r:id="rId25"/>
+    <p:sldId id="274" r:id="rId26"/>
   </p:sldIdLst>
   <p:sldSz cx="12192000" cy="6858000"/>
   <p:notesSz cx="6858000" cy="9144000"/>
@@ -6069,6 +6085,1522 @@
 </p:sld>
 </file>
 
+<file path=ppt/slides/slide10.xml><?xml version="1.0" encoding="utf-8"?>
+<p:sld xmlns:a="http://schemas.openxmlformats.org/drawingml/2006/main" xmlns:r="http://schemas.openxmlformats.org/officeDocument/2006/relationships" xmlns:p="http://schemas.openxmlformats.org/presentationml/2006/main">
+  <p:cSld>
+    <p:spTree>
+      <p:nvGrpSpPr>
+        <p:cNvPr id="1" name=""/>
+        <p:cNvGrpSpPr/>
+        <p:nvPr/>
+      </p:nvGrpSpPr>
+      <p:grpSpPr>
+        <a:xfrm>
+          <a:off x="0" y="0"/>
+          <a:ext cx="0" cy="0"/>
+          <a:chOff x="0" y="0"/>
+          <a:chExt cx="0" cy="0"/>
+        </a:xfrm>
+      </p:grpSpPr>
+      <p:sp>
+        <p:nvSpPr>
+          <p:cNvPr id="2" name="Заголовок 1"/>
+          <p:cNvSpPr txBox="1">
+            <a:spLocks/>
+          </p:cNvSpPr>
+          <p:nvPr/>
+        </p:nvSpPr>
+        <p:spPr>
+          <a:xfrm>
+            <a:off x="1339794" y="2516588"/>
+            <a:ext cx="8955555" cy="1701260"/>
+          </a:xfrm>
+          <a:prstGeom prst="rect">
+            <a:avLst/>
+          </a:prstGeom>
+        </p:spPr>
+        <p:txBody>
+          <a:bodyPr>
+            <a:normAutofit fontScale="90000" lnSpcReduction="20000"/>
+          </a:bodyPr>
+          <a:lstStyle>
+            <a:lvl1pPr algn="l" defTabSz="457200" rtl="0" eaLnBrk="1" latinLnBrk="0" hangingPunct="1">
+              <a:spcBef>
+                <a:spcPct val="0"/>
+              </a:spcBef>
+              <a:buNone/>
+              <a:defRPr sz="3600" kern="1200">
+                <a:solidFill>
+                  <a:schemeClr val="accent1"/>
+                </a:solidFill>
+                <a:latin typeface="+mj-lt"/>
+                <a:ea typeface="+mj-ea"/>
+                <a:cs typeface="+mj-cs"/>
+              </a:defRPr>
+            </a:lvl1pPr>
+            <a:lvl2pPr eaLnBrk="1" hangingPunct="1">
+              <a:defRPr>
+                <a:solidFill>
+                  <a:schemeClr val="tx2"/>
+                </a:solidFill>
+              </a:defRPr>
+            </a:lvl2pPr>
+            <a:lvl3pPr eaLnBrk="1" hangingPunct="1">
+              <a:defRPr>
+                <a:solidFill>
+                  <a:schemeClr val="tx2"/>
+                </a:solidFill>
+              </a:defRPr>
+            </a:lvl3pPr>
+            <a:lvl4pPr eaLnBrk="1" hangingPunct="1">
+              <a:defRPr>
+                <a:solidFill>
+                  <a:schemeClr val="tx2"/>
+                </a:solidFill>
+              </a:defRPr>
+            </a:lvl4pPr>
+            <a:lvl5pPr eaLnBrk="1" hangingPunct="1">
+              <a:defRPr>
+                <a:solidFill>
+                  <a:schemeClr val="tx2"/>
+                </a:solidFill>
+              </a:defRPr>
+            </a:lvl5pPr>
+            <a:lvl6pPr eaLnBrk="1" hangingPunct="1">
+              <a:defRPr>
+                <a:solidFill>
+                  <a:schemeClr val="tx2"/>
+                </a:solidFill>
+              </a:defRPr>
+            </a:lvl6pPr>
+            <a:lvl7pPr eaLnBrk="1" hangingPunct="1">
+              <a:defRPr>
+                <a:solidFill>
+                  <a:schemeClr val="tx2"/>
+                </a:solidFill>
+              </a:defRPr>
+            </a:lvl7pPr>
+            <a:lvl8pPr eaLnBrk="1" hangingPunct="1">
+              <a:defRPr>
+                <a:solidFill>
+                  <a:schemeClr val="tx2"/>
+                </a:solidFill>
+              </a:defRPr>
+            </a:lvl8pPr>
+            <a:lvl9pPr eaLnBrk="1" hangingPunct="1">
+              <a:defRPr>
+                <a:solidFill>
+                  <a:schemeClr val="tx2"/>
+                </a:solidFill>
+              </a:defRPr>
+            </a:lvl9pPr>
+          </a:lstStyle>
+          <a:p>
+            <a:pPr algn="ctr"/>
+            <a:r>
+              <a:rPr lang="ru-RU" dirty="0"/>
+              <a:t>ПК 4.2 Осуществлять измерения эксплуатационных характеристик программного обеспечения компьютерных систем</a:t>
+            </a:r>
+          </a:p>
+        </p:txBody>
+      </p:sp>
+      <p:sp>
+        <p:nvSpPr>
+          <p:cNvPr id="3" name="TextBox 2"/>
+          <p:cNvSpPr txBox="1"/>
+          <p:nvPr/>
+        </p:nvSpPr>
+        <p:spPr>
+          <a:xfrm>
+            <a:off x="465992" y="6348046"/>
+            <a:ext cx="3498073" cy="369332"/>
+          </a:xfrm>
+          <a:prstGeom prst="rect">
+            <a:avLst/>
+          </a:prstGeom>
+          <a:noFill/>
+        </p:spPr>
+        <p:txBody>
+          <a:bodyPr wrap="none" rtlCol="0">
+            <a:spAutoFit/>
+          </a:bodyPr>
+          <a:lstStyle/>
+          <a:p>
+            <a:r>
+              <a:rPr lang="ru-RU" dirty="0" smtClean="0"/>
+              <a:t>На примере</a:t>
+            </a:r>
+            <a:r>
+              <a:rPr lang="en-US" dirty="0" smtClean="0"/>
+              <a:t> </a:t>
+            </a:r>
+            <a:r>
+              <a:rPr lang="ru-RU" dirty="0" smtClean="0"/>
+              <a:t>курсового проекта</a:t>
+            </a:r>
+            <a:endParaRPr lang="ru-RU" dirty="0"/>
+          </a:p>
+        </p:txBody>
+      </p:sp>
+    </p:spTree>
+    <p:extLst>
+      <p:ext uri="{BB962C8B-B14F-4D97-AF65-F5344CB8AC3E}">
+        <p14:creationId xmlns:p14="http://schemas.microsoft.com/office/powerpoint/2010/main" val="2772563981"/>
+      </p:ext>
+    </p:extLst>
+  </p:cSld>
+  <p:clrMapOvr>
+    <a:masterClrMapping/>
+  </p:clrMapOvr>
+  <p:timing>
+    <p:tnLst>
+      <p:par>
+        <p:cTn id="1" dur="indefinite" restart="never" nodeType="tmRoot"/>
+      </p:par>
+    </p:tnLst>
+  </p:timing>
+</p:sld>
+</file>
+
+<file path=ppt/slides/slide11.xml><?xml version="1.0" encoding="utf-8"?>
+<p:sld xmlns:a="http://schemas.openxmlformats.org/drawingml/2006/main" xmlns:r="http://schemas.openxmlformats.org/officeDocument/2006/relationships" xmlns:p="http://schemas.openxmlformats.org/presentationml/2006/main">
+  <p:cSld>
+    <p:spTree>
+      <p:nvGrpSpPr>
+        <p:cNvPr id="1" name=""/>
+        <p:cNvGrpSpPr/>
+        <p:nvPr/>
+      </p:nvGrpSpPr>
+      <p:grpSpPr>
+        <a:xfrm>
+          <a:off x="0" y="0"/>
+          <a:ext cx="0" cy="0"/>
+          <a:chOff x="0" y="0"/>
+          <a:chExt cx="0" cy="0"/>
+        </a:xfrm>
+      </p:grpSpPr>
+      <p:pic>
+        <p:nvPicPr>
+          <p:cNvPr id="2" name="Рисунок 1"/>
+          <p:cNvPicPr>
+            <a:picLocks noChangeAspect="1"/>
+          </p:cNvPicPr>
+          <p:nvPr/>
+        </p:nvPicPr>
+        <p:blipFill>
+          <a:blip r:embed="rId2"/>
+          <a:stretch>
+            <a:fillRect/>
+          </a:stretch>
+        </p:blipFill>
+        <p:spPr>
+          <a:xfrm>
+            <a:off x="142745" y="1148662"/>
+            <a:ext cx="6087726" cy="3846790"/>
+          </a:xfrm>
+          <a:prstGeom prst="rect">
+            <a:avLst/>
+          </a:prstGeom>
+          <a:ln>
+            <a:noFill/>
+          </a:ln>
+          <a:effectLst>
+            <a:outerShdw blurRad="190500" algn="tl" rotWithShape="0">
+              <a:srgbClr val="000000">
+                <a:alpha val="70000"/>
+              </a:srgbClr>
+            </a:outerShdw>
+          </a:effectLst>
+        </p:spPr>
+      </p:pic>
+      <p:sp>
+        <p:nvSpPr>
+          <p:cNvPr id="3" name="TextBox 2"/>
+          <p:cNvSpPr txBox="1"/>
+          <p:nvPr/>
+        </p:nvSpPr>
+        <p:spPr>
+          <a:xfrm>
+            <a:off x="861647" y="186191"/>
+            <a:ext cx="9825126" cy="584775"/>
+          </a:xfrm>
+          <a:prstGeom prst="rect">
+            <a:avLst/>
+          </a:prstGeom>
+          <a:noFill/>
+        </p:spPr>
+        <p:txBody>
+          <a:bodyPr wrap="none" rtlCol="0">
+            <a:spAutoFit/>
+          </a:bodyPr>
+          <a:lstStyle/>
+          <a:p>
+            <a:r>
+              <a:rPr lang="ru-RU" sz="3200" dirty="0" smtClean="0"/>
+              <a:t>Диагностика расходуемых приложением ресурсов</a:t>
+            </a:r>
+            <a:endParaRPr lang="ru-RU" sz="3200" dirty="0"/>
+          </a:p>
+        </p:txBody>
+      </p:sp>
+      <p:pic>
+        <p:nvPicPr>
+          <p:cNvPr id="5" name="Рисунок 4"/>
+          <p:cNvPicPr>
+            <a:picLocks noChangeAspect="1"/>
+          </p:cNvPicPr>
+          <p:nvPr/>
+        </p:nvPicPr>
+        <p:blipFill>
+          <a:blip r:embed="rId3"/>
+          <a:stretch>
+            <a:fillRect/>
+          </a:stretch>
+        </p:blipFill>
+        <p:spPr>
+          <a:xfrm>
+            <a:off x="6475053" y="1148662"/>
+            <a:ext cx="5425820" cy="3846790"/>
+          </a:xfrm>
+          <a:prstGeom prst="rect">
+            <a:avLst/>
+          </a:prstGeom>
+          <a:ln>
+            <a:noFill/>
+          </a:ln>
+          <a:effectLst>
+            <a:outerShdw blurRad="190500" algn="tl" rotWithShape="0">
+              <a:srgbClr val="000000">
+                <a:alpha val="70000"/>
+              </a:srgbClr>
+            </a:outerShdw>
+          </a:effectLst>
+        </p:spPr>
+      </p:pic>
+      <p:pic>
+        <p:nvPicPr>
+          <p:cNvPr id="8" name="Рисунок 7"/>
+          <p:cNvPicPr>
+            <a:picLocks noChangeAspect="1"/>
+          </p:cNvPicPr>
+          <p:nvPr/>
+        </p:nvPicPr>
+        <p:blipFill>
+          <a:blip r:embed="rId4"/>
+          <a:stretch>
+            <a:fillRect/>
+          </a:stretch>
+        </p:blipFill>
+        <p:spPr>
+          <a:xfrm>
+            <a:off x="2116610" y="5179551"/>
+            <a:ext cx="7315200" cy="1465346"/>
+          </a:xfrm>
+          <a:prstGeom prst="rect">
+            <a:avLst/>
+          </a:prstGeom>
+          <a:ln>
+            <a:noFill/>
+          </a:ln>
+          <a:effectLst>
+            <a:outerShdw blurRad="190500" algn="tl" rotWithShape="0">
+              <a:srgbClr val="000000">
+                <a:alpha val="70000"/>
+              </a:srgbClr>
+            </a:outerShdw>
+          </a:effectLst>
+        </p:spPr>
+      </p:pic>
+    </p:spTree>
+    <p:extLst>
+      <p:ext uri="{BB962C8B-B14F-4D97-AF65-F5344CB8AC3E}">
+        <p14:creationId xmlns:p14="http://schemas.microsoft.com/office/powerpoint/2010/main" val="3997625970"/>
+      </p:ext>
+    </p:extLst>
+  </p:cSld>
+  <p:clrMapOvr>
+    <a:masterClrMapping/>
+  </p:clrMapOvr>
+</p:sld>
+</file>
+
+<file path=ppt/slides/slide12.xml><?xml version="1.0" encoding="utf-8"?>
+<p:sld xmlns:a="http://schemas.openxmlformats.org/drawingml/2006/main" xmlns:r="http://schemas.openxmlformats.org/officeDocument/2006/relationships" xmlns:p="http://schemas.openxmlformats.org/presentationml/2006/main">
+  <p:cSld>
+    <p:spTree>
+      <p:nvGrpSpPr>
+        <p:cNvPr id="1" name=""/>
+        <p:cNvGrpSpPr/>
+        <p:nvPr/>
+      </p:nvGrpSpPr>
+      <p:grpSpPr>
+        <a:xfrm>
+          <a:off x="0" y="0"/>
+          <a:ext cx="0" cy="0"/>
+          <a:chOff x="0" y="0"/>
+          <a:chExt cx="0" cy="0"/>
+        </a:xfrm>
+      </p:grpSpPr>
+      <p:sp>
+        <p:nvSpPr>
+          <p:cNvPr id="2" name="TextBox 1"/>
+          <p:cNvSpPr txBox="1"/>
+          <p:nvPr/>
+        </p:nvSpPr>
+        <p:spPr>
+          <a:xfrm>
+            <a:off x="294456" y="337556"/>
+            <a:ext cx="10750059" cy="584775"/>
+          </a:xfrm>
+          <a:prstGeom prst="rect">
+            <a:avLst/>
+          </a:prstGeom>
+          <a:noFill/>
+        </p:spPr>
+        <p:txBody>
+          <a:bodyPr wrap="none" rtlCol="0">
+            <a:spAutoFit/>
+          </a:bodyPr>
+          <a:lstStyle/>
+          <a:p>
+            <a:r>
+              <a:rPr lang="ru-RU" sz="3200" dirty="0" smtClean="0"/>
+              <a:t>Анализ необходимых эксплуатационных характеристик</a:t>
+            </a:r>
+            <a:endParaRPr lang="ru-RU" sz="3200" dirty="0"/>
+          </a:p>
+        </p:txBody>
+      </p:sp>
+      <p:pic>
+        <p:nvPicPr>
+          <p:cNvPr id="3" name="Рисунок 2"/>
+          <p:cNvPicPr>
+            <a:picLocks noChangeAspect="1"/>
+          </p:cNvPicPr>
+          <p:nvPr/>
+        </p:nvPicPr>
+        <p:blipFill>
+          <a:blip r:embed="rId2"/>
+          <a:stretch>
+            <a:fillRect/>
+          </a:stretch>
+        </p:blipFill>
+        <p:spPr>
+          <a:xfrm>
+            <a:off x="294456" y="2250380"/>
+            <a:ext cx="6714896" cy="3200400"/>
+          </a:xfrm>
+          <a:prstGeom prst="rect">
+            <a:avLst/>
+          </a:prstGeom>
+          <a:ln>
+            <a:noFill/>
+          </a:ln>
+          <a:effectLst>
+            <a:outerShdw blurRad="190500" algn="tl" rotWithShape="0">
+              <a:srgbClr val="000000">
+                <a:alpha val="70000"/>
+              </a:srgbClr>
+            </a:outerShdw>
+          </a:effectLst>
+        </p:spPr>
+      </p:pic>
+      <p:pic>
+        <p:nvPicPr>
+          <p:cNvPr id="4" name="Рисунок 3"/>
+          <p:cNvPicPr>
+            <a:picLocks noChangeAspect="1"/>
+          </p:cNvPicPr>
+          <p:nvPr/>
+        </p:nvPicPr>
+        <p:blipFill>
+          <a:blip r:embed="rId3"/>
+          <a:stretch>
+            <a:fillRect/>
+          </a:stretch>
+        </p:blipFill>
+        <p:spPr>
+          <a:xfrm>
+            <a:off x="7241931" y="2038914"/>
+            <a:ext cx="4566138" cy="3623332"/>
+          </a:xfrm>
+          <a:prstGeom prst="rect">
+            <a:avLst/>
+          </a:prstGeom>
+          <a:ln>
+            <a:noFill/>
+          </a:ln>
+          <a:effectLst>
+            <a:outerShdw blurRad="190500" algn="tl" rotWithShape="0">
+              <a:srgbClr val="000000">
+                <a:alpha val="70000"/>
+              </a:srgbClr>
+            </a:outerShdw>
+          </a:effectLst>
+        </p:spPr>
+      </p:pic>
+      <p:sp>
+        <p:nvSpPr>
+          <p:cNvPr id="5" name="TextBox 4"/>
+          <p:cNvSpPr txBox="1"/>
+          <p:nvPr/>
+        </p:nvSpPr>
+        <p:spPr>
+          <a:xfrm>
+            <a:off x="4748399" y="922331"/>
+            <a:ext cx="1842171" cy="584775"/>
+          </a:xfrm>
+          <a:prstGeom prst="rect">
+            <a:avLst/>
+          </a:prstGeom>
+          <a:noFill/>
+        </p:spPr>
+        <p:txBody>
+          <a:bodyPr wrap="none" rtlCol="0">
+            <a:spAutoFit/>
+          </a:bodyPr>
+          <a:lstStyle/>
+          <a:p>
+            <a:r>
+              <a:rPr lang="en-US" sz="3200" dirty="0" smtClean="0"/>
+              <a:t>(</a:t>
+            </a:r>
+            <a:r>
+              <a:rPr lang="ru-RU" sz="3200" dirty="0" smtClean="0"/>
+              <a:t>Клиент</a:t>
+            </a:r>
+            <a:r>
+              <a:rPr lang="en-US" sz="3200" dirty="0" smtClean="0"/>
+              <a:t>)</a:t>
+            </a:r>
+            <a:endParaRPr lang="ru-RU" sz="3200" dirty="0"/>
+          </a:p>
+        </p:txBody>
+      </p:sp>
+    </p:spTree>
+    <p:extLst>
+      <p:ext uri="{BB962C8B-B14F-4D97-AF65-F5344CB8AC3E}">
+        <p14:creationId xmlns:p14="http://schemas.microsoft.com/office/powerpoint/2010/main" val="4195405552"/>
+      </p:ext>
+    </p:extLst>
+  </p:cSld>
+  <p:clrMapOvr>
+    <a:masterClrMapping/>
+  </p:clrMapOvr>
+</p:sld>
+</file>
+
+<file path=ppt/slides/slide13.xml><?xml version="1.0" encoding="utf-8"?>
+<p:sld xmlns:a="http://schemas.openxmlformats.org/drawingml/2006/main" xmlns:r="http://schemas.openxmlformats.org/officeDocument/2006/relationships" xmlns:p="http://schemas.openxmlformats.org/presentationml/2006/main">
+  <p:cSld>
+    <p:spTree>
+      <p:nvGrpSpPr>
+        <p:cNvPr id="1" name=""/>
+        <p:cNvGrpSpPr/>
+        <p:nvPr/>
+      </p:nvGrpSpPr>
+      <p:grpSpPr>
+        <a:xfrm>
+          <a:off x="0" y="0"/>
+          <a:ext cx="0" cy="0"/>
+          <a:chOff x="0" y="0"/>
+          <a:chExt cx="0" cy="0"/>
+        </a:xfrm>
+      </p:grpSpPr>
+      <p:pic>
+        <p:nvPicPr>
+          <p:cNvPr id="2" name="Рисунок 1"/>
+          <p:cNvPicPr>
+            <a:picLocks noChangeAspect="1"/>
+          </p:cNvPicPr>
+          <p:nvPr/>
+        </p:nvPicPr>
+        <p:blipFill>
+          <a:blip r:embed="rId2"/>
+          <a:stretch>
+            <a:fillRect/>
+          </a:stretch>
+        </p:blipFill>
+        <p:spPr>
+          <a:xfrm>
+            <a:off x="408756" y="2195094"/>
+            <a:ext cx="6816972" cy="1675088"/>
+          </a:xfrm>
+          <a:prstGeom prst="rect">
+            <a:avLst/>
+          </a:prstGeom>
+          <a:ln>
+            <a:noFill/>
+          </a:ln>
+          <a:effectLst>
+            <a:outerShdw blurRad="190500" algn="tl" rotWithShape="0">
+              <a:srgbClr val="000000">
+                <a:alpha val="70000"/>
+              </a:srgbClr>
+            </a:outerShdw>
+          </a:effectLst>
+        </p:spPr>
+      </p:pic>
+      <p:sp>
+        <p:nvSpPr>
+          <p:cNvPr id="3" name="TextBox 2"/>
+          <p:cNvSpPr txBox="1"/>
+          <p:nvPr/>
+        </p:nvSpPr>
+        <p:spPr>
+          <a:xfrm>
+            <a:off x="294456" y="337556"/>
+            <a:ext cx="10750059" cy="584775"/>
+          </a:xfrm>
+          <a:prstGeom prst="rect">
+            <a:avLst/>
+          </a:prstGeom>
+          <a:noFill/>
+        </p:spPr>
+        <p:txBody>
+          <a:bodyPr wrap="none" rtlCol="0">
+            <a:spAutoFit/>
+          </a:bodyPr>
+          <a:lstStyle/>
+          <a:p>
+            <a:r>
+              <a:rPr lang="ru-RU" sz="3200" dirty="0" smtClean="0"/>
+              <a:t>Анализ необходимых эксплуатационных характеристик</a:t>
+            </a:r>
+            <a:endParaRPr lang="ru-RU" sz="3200" dirty="0"/>
+          </a:p>
+        </p:txBody>
+      </p:sp>
+      <p:sp>
+        <p:nvSpPr>
+          <p:cNvPr id="4" name="TextBox 3"/>
+          <p:cNvSpPr txBox="1"/>
+          <p:nvPr/>
+        </p:nvSpPr>
+        <p:spPr>
+          <a:xfrm>
+            <a:off x="4748399" y="922331"/>
+            <a:ext cx="1846980" cy="584775"/>
+          </a:xfrm>
+          <a:prstGeom prst="rect">
+            <a:avLst/>
+          </a:prstGeom>
+          <a:noFill/>
+        </p:spPr>
+        <p:txBody>
+          <a:bodyPr wrap="none" rtlCol="0">
+            <a:spAutoFit/>
+          </a:bodyPr>
+          <a:lstStyle/>
+          <a:p>
+            <a:r>
+              <a:rPr lang="en-US" sz="3200" dirty="0" smtClean="0"/>
+              <a:t>(</a:t>
+            </a:r>
+            <a:r>
+              <a:rPr lang="ru-RU" sz="3200" dirty="0" smtClean="0"/>
+              <a:t>Сервер</a:t>
+            </a:r>
+            <a:r>
+              <a:rPr lang="en-US" sz="3200" dirty="0" smtClean="0"/>
+              <a:t>)</a:t>
+            </a:r>
+            <a:endParaRPr lang="ru-RU" sz="3200" dirty="0"/>
+          </a:p>
+        </p:txBody>
+      </p:sp>
+      <p:sp>
+        <p:nvSpPr>
+          <p:cNvPr id="5" name="TextBox 4"/>
+          <p:cNvSpPr txBox="1"/>
+          <p:nvPr/>
+        </p:nvSpPr>
+        <p:spPr>
+          <a:xfrm>
+            <a:off x="3331828" y="1627812"/>
+            <a:ext cx="970824" cy="461665"/>
+          </a:xfrm>
+          <a:prstGeom prst="rect">
+            <a:avLst/>
+          </a:prstGeom>
+          <a:noFill/>
+        </p:spPr>
+        <p:txBody>
+          <a:bodyPr wrap="square" rtlCol="0">
+            <a:spAutoFit/>
+          </a:bodyPr>
+          <a:lstStyle/>
+          <a:p>
+            <a:r>
+              <a:rPr lang="en-US" sz="2400" dirty="0" err="1" smtClean="0"/>
+              <a:t>MySql</a:t>
+            </a:r>
+            <a:endParaRPr lang="ru-RU" sz="2400" dirty="0"/>
+          </a:p>
+        </p:txBody>
+      </p:sp>
+      <p:pic>
+        <p:nvPicPr>
+          <p:cNvPr id="6" name="Рисунок 5"/>
+          <p:cNvPicPr>
+            <a:picLocks noChangeAspect="1"/>
+          </p:cNvPicPr>
+          <p:nvPr/>
+        </p:nvPicPr>
+        <p:blipFill>
+          <a:blip r:embed="rId3"/>
+          <a:stretch>
+            <a:fillRect/>
+          </a:stretch>
+        </p:blipFill>
+        <p:spPr>
+          <a:xfrm>
+            <a:off x="408756" y="4522579"/>
+            <a:ext cx="6816970" cy="1830482"/>
+          </a:xfrm>
+          <a:prstGeom prst="rect">
+            <a:avLst/>
+          </a:prstGeom>
+          <a:ln>
+            <a:noFill/>
+          </a:ln>
+          <a:effectLst>
+            <a:outerShdw blurRad="190500" algn="tl" rotWithShape="0">
+              <a:srgbClr val="000000">
+                <a:alpha val="70000"/>
+              </a:srgbClr>
+            </a:outerShdw>
+          </a:effectLst>
+        </p:spPr>
+      </p:pic>
+      <p:sp>
+        <p:nvSpPr>
+          <p:cNvPr id="7" name="TextBox 6"/>
+          <p:cNvSpPr txBox="1"/>
+          <p:nvPr/>
+        </p:nvSpPr>
+        <p:spPr>
+          <a:xfrm>
+            <a:off x="3249617" y="3933759"/>
+            <a:ext cx="1135247" cy="461665"/>
+          </a:xfrm>
+          <a:prstGeom prst="rect">
+            <a:avLst/>
+          </a:prstGeom>
+          <a:noFill/>
+        </p:spPr>
+        <p:txBody>
+          <a:bodyPr wrap="none" rtlCol="0">
+            <a:spAutoFit/>
+          </a:bodyPr>
+          <a:lstStyle/>
+          <a:p>
+            <a:r>
+              <a:rPr lang="en-US" sz="2400" dirty="0" smtClean="0"/>
+              <a:t>Docker</a:t>
+            </a:r>
+            <a:endParaRPr lang="ru-RU" sz="2400" dirty="0"/>
+          </a:p>
+        </p:txBody>
+      </p:sp>
+      <p:pic>
+        <p:nvPicPr>
+          <p:cNvPr id="8" name="Рисунок 7"/>
+          <p:cNvPicPr>
+            <a:picLocks noChangeAspect="1"/>
+          </p:cNvPicPr>
+          <p:nvPr/>
+        </p:nvPicPr>
+        <p:blipFill>
+          <a:blip r:embed="rId4"/>
+          <a:stretch>
+            <a:fillRect/>
+          </a:stretch>
+        </p:blipFill>
+        <p:spPr>
+          <a:xfrm>
+            <a:off x="7729222" y="2587806"/>
+            <a:ext cx="3450878" cy="3153572"/>
+          </a:xfrm>
+          <a:prstGeom prst="rect">
+            <a:avLst/>
+          </a:prstGeom>
+          <a:ln>
+            <a:noFill/>
+          </a:ln>
+          <a:effectLst>
+            <a:outerShdw blurRad="190500" algn="tl" rotWithShape="0">
+              <a:srgbClr val="000000">
+                <a:alpha val="70000"/>
+              </a:srgbClr>
+            </a:outerShdw>
+          </a:effectLst>
+        </p:spPr>
+      </p:pic>
+      <p:sp>
+        <p:nvSpPr>
+          <p:cNvPr id="9" name="TextBox 8"/>
+          <p:cNvSpPr txBox="1"/>
+          <p:nvPr/>
+        </p:nvSpPr>
+        <p:spPr>
+          <a:xfrm>
+            <a:off x="8747428" y="1988201"/>
+            <a:ext cx="1414466" cy="461665"/>
+          </a:xfrm>
+          <a:prstGeom prst="rect">
+            <a:avLst/>
+          </a:prstGeom>
+          <a:noFill/>
+        </p:spPr>
+        <p:txBody>
+          <a:bodyPr wrap="square" rtlCol="0">
+            <a:spAutoFit/>
+          </a:bodyPr>
+          <a:lstStyle/>
+          <a:p>
+            <a:r>
+              <a:rPr lang="en-US" sz="2400" dirty="0" smtClean="0"/>
+              <a:t>Centos 8</a:t>
+            </a:r>
+            <a:endParaRPr lang="ru-RU" sz="2400" dirty="0"/>
+          </a:p>
+        </p:txBody>
+      </p:sp>
+    </p:spTree>
+    <p:extLst>
+      <p:ext uri="{BB962C8B-B14F-4D97-AF65-F5344CB8AC3E}">
+        <p14:creationId xmlns:p14="http://schemas.microsoft.com/office/powerpoint/2010/main" val="3103713382"/>
+      </p:ext>
+    </p:extLst>
+  </p:cSld>
+  <p:clrMapOvr>
+    <a:masterClrMapping/>
+  </p:clrMapOvr>
+</p:sld>
+</file>
+
+<file path=ppt/slides/slide14.xml><?xml version="1.0" encoding="utf-8"?>
+<p:sld xmlns:a="http://schemas.openxmlformats.org/drawingml/2006/main" xmlns:r="http://schemas.openxmlformats.org/officeDocument/2006/relationships" xmlns:p="http://schemas.openxmlformats.org/presentationml/2006/main">
+  <p:cSld>
+    <p:spTree>
+      <p:nvGrpSpPr>
+        <p:cNvPr id="1" name=""/>
+        <p:cNvGrpSpPr/>
+        <p:nvPr/>
+      </p:nvGrpSpPr>
+      <p:grpSpPr>
+        <a:xfrm>
+          <a:off x="0" y="0"/>
+          <a:ext cx="0" cy="0"/>
+          <a:chOff x="0" y="0"/>
+          <a:chExt cx="0" cy="0"/>
+        </a:xfrm>
+      </p:grpSpPr>
+      <p:sp>
+        <p:nvSpPr>
+          <p:cNvPr id="2" name="Заголовок 1"/>
+          <p:cNvSpPr txBox="1">
+            <a:spLocks/>
+          </p:cNvSpPr>
+          <p:nvPr/>
+        </p:nvSpPr>
+        <p:spPr>
+          <a:xfrm>
+            <a:off x="1339794" y="2516588"/>
+            <a:ext cx="8955555" cy="1701260"/>
+          </a:xfrm>
+          <a:prstGeom prst="rect">
+            <a:avLst/>
+          </a:prstGeom>
+        </p:spPr>
+        <p:txBody>
+          <a:bodyPr>
+            <a:normAutofit fontScale="90000" lnSpcReduction="20000"/>
+          </a:bodyPr>
+          <a:lstStyle>
+            <a:lvl1pPr algn="l" defTabSz="457200" rtl="0" eaLnBrk="1" latinLnBrk="0" hangingPunct="1">
+              <a:spcBef>
+                <a:spcPct val="0"/>
+              </a:spcBef>
+              <a:buNone/>
+              <a:defRPr sz="3600" kern="1200">
+                <a:solidFill>
+                  <a:schemeClr val="accent1"/>
+                </a:solidFill>
+                <a:latin typeface="+mj-lt"/>
+                <a:ea typeface="+mj-ea"/>
+                <a:cs typeface="+mj-cs"/>
+              </a:defRPr>
+            </a:lvl1pPr>
+            <a:lvl2pPr eaLnBrk="1" hangingPunct="1">
+              <a:defRPr>
+                <a:solidFill>
+                  <a:schemeClr val="tx2"/>
+                </a:solidFill>
+              </a:defRPr>
+            </a:lvl2pPr>
+            <a:lvl3pPr eaLnBrk="1" hangingPunct="1">
+              <a:defRPr>
+                <a:solidFill>
+                  <a:schemeClr val="tx2"/>
+                </a:solidFill>
+              </a:defRPr>
+            </a:lvl3pPr>
+            <a:lvl4pPr eaLnBrk="1" hangingPunct="1">
+              <a:defRPr>
+                <a:solidFill>
+                  <a:schemeClr val="tx2"/>
+                </a:solidFill>
+              </a:defRPr>
+            </a:lvl4pPr>
+            <a:lvl5pPr eaLnBrk="1" hangingPunct="1">
+              <a:defRPr>
+                <a:solidFill>
+                  <a:schemeClr val="tx2"/>
+                </a:solidFill>
+              </a:defRPr>
+            </a:lvl5pPr>
+            <a:lvl6pPr eaLnBrk="1" hangingPunct="1">
+              <a:defRPr>
+                <a:solidFill>
+                  <a:schemeClr val="tx2"/>
+                </a:solidFill>
+              </a:defRPr>
+            </a:lvl6pPr>
+            <a:lvl7pPr eaLnBrk="1" hangingPunct="1">
+              <a:defRPr>
+                <a:solidFill>
+                  <a:schemeClr val="tx2"/>
+                </a:solidFill>
+              </a:defRPr>
+            </a:lvl7pPr>
+            <a:lvl8pPr eaLnBrk="1" hangingPunct="1">
+              <a:defRPr>
+                <a:solidFill>
+                  <a:schemeClr val="tx2"/>
+                </a:solidFill>
+              </a:defRPr>
+            </a:lvl8pPr>
+            <a:lvl9pPr eaLnBrk="1" hangingPunct="1">
+              <a:defRPr>
+                <a:solidFill>
+                  <a:schemeClr val="tx2"/>
+                </a:solidFill>
+              </a:defRPr>
+            </a:lvl9pPr>
+          </a:lstStyle>
+          <a:p>
+            <a:pPr algn="ctr"/>
+            <a:r>
+              <a:rPr lang="ru-RU" dirty="0"/>
+              <a:t>ПК 4.3 Выполнять работы по модификации отдельных компонент программного обеспечения в соответствии с потребностями заказчика</a:t>
+            </a:r>
+          </a:p>
+        </p:txBody>
+      </p:sp>
+      <p:sp>
+        <p:nvSpPr>
+          <p:cNvPr id="3" name="TextBox 2"/>
+          <p:cNvSpPr txBox="1"/>
+          <p:nvPr/>
+        </p:nvSpPr>
+        <p:spPr>
+          <a:xfrm>
+            <a:off x="465992" y="6348046"/>
+            <a:ext cx="3498073" cy="369332"/>
+          </a:xfrm>
+          <a:prstGeom prst="rect">
+            <a:avLst/>
+          </a:prstGeom>
+          <a:noFill/>
+        </p:spPr>
+        <p:txBody>
+          <a:bodyPr wrap="none" rtlCol="0">
+            <a:spAutoFit/>
+          </a:bodyPr>
+          <a:lstStyle/>
+          <a:p>
+            <a:r>
+              <a:rPr lang="ru-RU" dirty="0" smtClean="0"/>
+              <a:t>На </a:t>
+            </a:r>
+            <a:r>
+              <a:rPr lang="ru-RU" dirty="0" smtClean="0"/>
+              <a:t>примере</a:t>
+            </a:r>
+            <a:r>
+              <a:rPr lang="en-US" dirty="0" smtClean="0"/>
+              <a:t> </a:t>
+            </a:r>
+            <a:r>
+              <a:rPr lang="ru-RU" dirty="0" smtClean="0"/>
+              <a:t>курсового проекта</a:t>
+            </a:r>
+            <a:endParaRPr lang="ru-RU" dirty="0"/>
+          </a:p>
+        </p:txBody>
+      </p:sp>
+    </p:spTree>
+    <p:extLst>
+      <p:ext uri="{BB962C8B-B14F-4D97-AF65-F5344CB8AC3E}">
+        <p14:creationId xmlns:p14="http://schemas.microsoft.com/office/powerpoint/2010/main" val="3846605954"/>
+      </p:ext>
+    </p:extLst>
+  </p:cSld>
+  <p:clrMapOvr>
+    <a:masterClrMapping/>
+  </p:clrMapOvr>
+  <p:timing>
+    <p:tnLst>
+      <p:par>
+        <p:cTn id="1" dur="indefinite" restart="never" nodeType="tmRoot"/>
+      </p:par>
+    </p:tnLst>
+  </p:timing>
+</p:sld>
+</file>
+
+<file path=ppt/slides/slide15.xml><?xml version="1.0" encoding="utf-8"?>
+<p:sld xmlns:a="http://schemas.openxmlformats.org/drawingml/2006/main" xmlns:r="http://schemas.openxmlformats.org/officeDocument/2006/relationships" xmlns:p="http://schemas.openxmlformats.org/presentationml/2006/main">
+  <p:cSld>
+    <p:spTree>
+      <p:nvGrpSpPr>
+        <p:cNvPr id="1" name=""/>
+        <p:cNvGrpSpPr/>
+        <p:nvPr/>
+      </p:nvGrpSpPr>
+      <p:grpSpPr>
+        <a:xfrm>
+          <a:off x="0" y="0"/>
+          <a:ext cx="0" cy="0"/>
+          <a:chOff x="0" y="0"/>
+          <a:chExt cx="0" cy="0"/>
+        </a:xfrm>
+      </p:grpSpPr>
+      <p:sp>
+        <p:nvSpPr>
+          <p:cNvPr id="2" name="TextBox 1"/>
+          <p:cNvSpPr txBox="1"/>
+          <p:nvPr/>
+        </p:nvSpPr>
+        <p:spPr>
+          <a:xfrm>
+            <a:off x="1622322" y="383458"/>
+            <a:ext cx="8475397" cy="584775"/>
+          </a:xfrm>
+          <a:prstGeom prst="rect">
+            <a:avLst/>
+          </a:prstGeom>
+          <a:noFill/>
+        </p:spPr>
+        <p:txBody>
+          <a:bodyPr wrap="none" rtlCol="0">
+            <a:spAutoFit/>
+          </a:bodyPr>
+          <a:lstStyle/>
+          <a:p>
+            <a:r>
+              <a:rPr lang="ru-RU" sz="3200" dirty="0" smtClean="0"/>
+              <a:t>Модификация компонента поиска новостей</a:t>
+            </a:r>
+            <a:endParaRPr lang="ru-RU" sz="3200" dirty="0"/>
+          </a:p>
+        </p:txBody>
+      </p:sp>
+      <p:pic>
+        <p:nvPicPr>
+          <p:cNvPr id="4" name="Рисунок 3"/>
+          <p:cNvPicPr>
+            <a:picLocks noChangeAspect="1"/>
+          </p:cNvPicPr>
+          <p:nvPr/>
+        </p:nvPicPr>
+        <p:blipFill>
+          <a:blip r:embed="rId2"/>
+          <a:stretch>
+            <a:fillRect/>
+          </a:stretch>
+        </p:blipFill>
+        <p:spPr>
+          <a:xfrm>
+            <a:off x="231053" y="2013212"/>
+            <a:ext cx="11257936" cy="3922956"/>
+          </a:xfrm>
+          <a:prstGeom prst="rect">
+            <a:avLst/>
+          </a:prstGeom>
+          <a:ln>
+            <a:noFill/>
+          </a:ln>
+          <a:effectLst>
+            <a:outerShdw blurRad="292100" dist="139700" dir="2700000" algn="tl" rotWithShape="0">
+              <a:srgbClr val="333333">
+                <a:alpha val="65000"/>
+              </a:srgbClr>
+            </a:outerShdw>
+          </a:effectLst>
+        </p:spPr>
+      </p:pic>
+    </p:spTree>
+    <p:extLst>
+      <p:ext uri="{BB962C8B-B14F-4D97-AF65-F5344CB8AC3E}">
+        <p14:creationId xmlns:p14="http://schemas.microsoft.com/office/powerpoint/2010/main" val="2633918192"/>
+      </p:ext>
+    </p:extLst>
+  </p:cSld>
+  <p:clrMapOvr>
+    <a:masterClrMapping/>
+  </p:clrMapOvr>
+  <p:timing>
+    <p:tnLst>
+      <p:par>
+        <p:cTn id="1" dur="indefinite" restart="never" nodeType="tmRoot"/>
+      </p:par>
+    </p:tnLst>
+  </p:timing>
+</p:sld>
+</file>
+
+<file path=ppt/slides/slide16.xml><?xml version="1.0" encoding="utf-8"?>
+<p:sld xmlns:a="http://schemas.openxmlformats.org/drawingml/2006/main" xmlns:r="http://schemas.openxmlformats.org/officeDocument/2006/relationships" xmlns:p="http://schemas.openxmlformats.org/presentationml/2006/main">
+  <p:cSld>
+    <p:spTree>
+      <p:nvGrpSpPr>
+        <p:cNvPr id="1" name=""/>
+        <p:cNvGrpSpPr/>
+        <p:nvPr/>
+      </p:nvGrpSpPr>
+      <p:grpSpPr>
+        <a:xfrm>
+          <a:off x="0" y="0"/>
+          <a:ext cx="0" cy="0"/>
+          <a:chOff x="0" y="0"/>
+          <a:chExt cx="0" cy="0"/>
+        </a:xfrm>
+      </p:grpSpPr>
+      <p:sp>
+        <p:nvSpPr>
+          <p:cNvPr id="2" name="TextBox 1"/>
+          <p:cNvSpPr txBox="1"/>
+          <p:nvPr/>
+        </p:nvSpPr>
+        <p:spPr>
+          <a:xfrm>
+            <a:off x="3377381" y="294968"/>
+            <a:ext cx="4591321" cy="584775"/>
+          </a:xfrm>
+          <a:prstGeom prst="rect">
+            <a:avLst/>
+          </a:prstGeom>
+          <a:noFill/>
+        </p:spPr>
+        <p:txBody>
+          <a:bodyPr wrap="none" rtlCol="0">
+            <a:spAutoFit/>
+          </a:bodyPr>
+          <a:lstStyle/>
+          <a:p>
+            <a:r>
+              <a:rPr lang="ru-RU" sz="3200" dirty="0" smtClean="0"/>
+              <a:t>Требования заказчика:</a:t>
+            </a:r>
+            <a:endParaRPr lang="ru-RU" sz="3200" dirty="0"/>
+          </a:p>
+        </p:txBody>
+      </p:sp>
+      <p:sp>
+        <p:nvSpPr>
+          <p:cNvPr id="3" name="TextBox 2"/>
+          <p:cNvSpPr txBox="1"/>
+          <p:nvPr/>
+        </p:nvSpPr>
+        <p:spPr>
+          <a:xfrm>
+            <a:off x="1110702" y="1991032"/>
+            <a:ext cx="9124678" cy="3046988"/>
+          </a:xfrm>
+          <a:prstGeom prst="rect">
+            <a:avLst/>
+          </a:prstGeom>
+          <a:noFill/>
+        </p:spPr>
+        <p:txBody>
+          <a:bodyPr wrap="square" rtlCol="0">
+            <a:spAutoFit/>
+          </a:bodyPr>
+          <a:lstStyle/>
+          <a:p>
+            <a:pPr marL="285750" indent="-285750">
+              <a:buFont typeface="Arial" panose="020B0604020202020204" pitchFamily="34" charset="0"/>
+              <a:buChar char="•"/>
+            </a:pPr>
+            <a:r>
+              <a:rPr lang="ru-RU" sz="3200" dirty="0" smtClean="0"/>
+              <a:t>Реализовать возможность поиска главных новостей по категории;</a:t>
+            </a:r>
+          </a:p>
+          <a:p>
+            <a:pPr marL="285750" indent="-285750">
+              <a:buFont typeface="Arial" panose="020B0604020202020204" pitchFamily="34" charset="0"/>
+              <a:buChar char="•"/>
+            </a:pPr>
+            <a:r>
+              <a:rPr lang="ru-RU" sz="3200" dirty="0" smtClean="0"/>
+              <a:t>Реализовать возможность </a:t>
+            </a:r>
+            <a:r>
+              <a:rPr lang="ru-RU" sz="3200" dirty="0"/>
+              <a:t>поиска главных новостей по </a:t>
+            </a:r>
+            <a:r>
+              <a:rPr lang="ru-RU" sz="3200" dirty="0" smtClean="0"/>
+              <a:t>стране;</a:t>
+            </a:r>
+            <a:endParaRPr lang="ru-RU" sz="3200" dirty="0"/>
+          </a:p>
+          <a:p>
+            <a:pPr marL="285750" indent="-285750">
+              <a:buFont typeface="Arial" panose="020B0604020202020204" pitchFamily="34" charset="0"/>
+              <a:buChar char="•"/>
+            </a:pPr>
+            <a:r>
+              <a:rPr lang="ru-RU" sz="3200" dirty="0" smtClean="0"/>
+              <a:t>Реализовать возможность перехода на сайт источника новости.</a:t>
+            </a:r>
+            <a:endParaRPr lang="ru-RU" sz="3200" dirty="0"/>
+          </a:p>
+        </p:txBody>
+      </p:sp>
+    </p:spTree>
+    <p:extLst>
+      <p:ext uri="{BB962C8B-B14F-4D97-AF65-F5344CB8AC3E}">
+        <p14:creationId xmlns:p14="http://schemas.microsoft.com/office/powerpoint/2010/main" val="2269976507"/>
+      </p:ext>
+    </p:extLst>
+  </p:cSld>
+  <p:clrMapOvr>
+    <a:masterClrMapping/>
+  </p:clrMapOvr>
+</p:sld>
+</file>
+
+<file path=ppt/slides/slide17.xml><?xml version="1.0" encoding="utf-8"?>
+<p:sld xmlns:a="http://schemas.openxmlformats.org/drawingml/2006/main" xmlns:r="http://schemas.openxmlformats.org/officeDocument/2006/relationships" xmlns:p="http://schemas.openxmlformats.org/presentationml/2006/main">
+  <p:cSld>
+    <p:spTree>
+      <p:nvGrpSpPr>
+        <p:cNvPr id="1" name=""/>
+        <p:cNvGrpSpPr/>
+        <p:nvPr/>
+      </p:nvGrpSpPr>
+      <p:grpSpPr>
+        <a:xfrm>
+          <a:off x="0" y="0"/>
+          <a:ext cx="0" cy="0"/>
+          <a:chOff x="0" y="0"/>
+          <a:chExt cx="0" cy="0"/>
+        </a:xfrm>
+      </p:grpSpPr>
+      <p:sp>
+        <p:nvSpPr>
+          <p:cNvPr id="2" name="TextBox 1"/>
+          <p:cNvSpPr txBox="1"/>
+          <p:nvPr/>
+        </p:nvSpPr>
+        <p:spPr>
+          <a:xfrm>
+            <a:off x="2787445" y="280220"/>
+            <a:ext cx="6171882" cy="584775"/>
+          </a:xfrm>
+          <a:prstGeom prst="rect">
+            <a:avLst/>
+          </a:prstGeom>
+          <a:noFill/>
+        </p:spPr>
+        <p:txBody>
+          <a:bodyPr wrap="none" rtlCol="0">
+            <a:spAutoFit/>
+          </a:bodyPr>
+          <a:lstStyle/>
+          <a:p>
+            <a:r>
+              <a:rPr lang="ru-RU" sz="3200" dirty="0" smtClean="0"/>
+              <a:t>Код модификации компонента</a:t>
+            </a:r>
+            <a:endParaRPr lang="ru-RU" sz="3200" dirty="0"/>
+          </a:p>
+        </p:txBody>
+      </p:sp>
+      <p:pic>
+        <p:nvPicPr>
+          <p:cNvPr id="3" name="Рисунок 2"/>
+          <p:cNvPicPr>
+            <a:picLocks noChangeAspect="1"/>
+          </p:cNvPicPr>
+          <p:nvPr/>
+        </p:nvPicPr>
+        <p:blipFill>
+          <a:blip r:embed="rId2"/>
+          <a:stretch>
+            <a:fillRect/>
+          </a:stretch>
+        </p:blipFill>
+        <p:spPr>
+          <a:xfrm>
+            <a:off x="1673624" y="1296451"/>
+            <a:ext cx="8399524" cy="5120500"/>
+          </a:xfrm>
+          <a:prstGeom prst="rect">
+            <a:avLst/>
+          </a:prstGeom>
+          <a:ln>
+            <a:noFill/>
+          </a:ln>
+          <a:effectLst>
+            <a:outerShdw blurRad="292100" dist="139700" dir="2700000" algn="tl" rotWithShape="0">
+              <a:srgbClr val="333333">
+                <a:alpha val="65000"/>
+              </a:srgbClr>
+            </a:outerShdw>
+          </a:effectLst>
+        </p:spPr>
+      </p:pic>
+    </p:spTree>
+    <p:extLst>
+      <p:ext uri="{BB962C8B-B14F-4D97-AF65-F5344CB8AC3E}">
+        <p14:creationId xmlns:p14="http://schemas.microsoft.com/office/powerpoint/2010/main" val="1563930858"/>
+      </p:ext>
+    </p:extLst>
+  </p:cSld>
+  <p:clrMapOvr>
+    <a:masterClrMapping/>
+  </p:clrMapOvr>
+</p:sld>
+</file>
+
+<file path=ppt/slides/slide18.xml><?xml version="1.0" encoding="utf-8"?>
+<p:sld xmlns:a="http://schemas.openxmlformats.org/drawingml/2006/main" xmlns:r="http://schemas.openxmlformats.org/officeDocument/2006/relationships" xmlns:p="http://schemas.openxmlformats.org/presentationml/2006/main">
+  <p:cSld>
+    <p:spTree>
+      <p:nvGrpSpPr>
+        <p:cNvPr id="1" name=""/>
+        <p:cNvGrpSpPr/>
+        <p:nvPr/>
+      </p:nvGrpSpPr>
+      <p:grpSpPr>
+        <a:xfrm>
+          <a:off x="0" y="0"/>
+          <a:ext cx="0" cy="0"/>
+          <a:chOff x="0" y="0"/>
+          <a:chExt cx="0" cy="0"/>
+        </a:xfrm>
+      </p:grpSpPr>
+      <p:pic>
+        <p:nvPicPr>
+          <p:cNvPr id="2" name="Рисунок 1"/>
+          <p:cNvPicPr>
+            <a:picLocks noChangeAspect="1"/>
+          </p:cNvPicPr>
+          <p:nvPr/>
+        </p:nvPicPr>
+        <p:blipFill>
+          <a:blip r:embed="rId2"/>
+          <a:stretch>
+            <a:fillRect/>
+          </a:stretch>
+        </p:blipFill>
+        <p:spPr>
+          <a:xfrm>
+            <a:off x="489315" y="2109020"/>
+            <a:ext cx="10768142" cy="2940148"/>
+          </a:xfrm>
+          <a:prstGeom prst="rect">
+            <a:avLst/>
+          </a:prstGeom>
+          <a:ln>
+            <a:noFill/>
+          </a:ln>
+          <a:effectLst>
+            <a:outerShdw blurRad="292100" dist="139700" dir="2700000" algn="tl" rotWithShape="0">
+              <a:srgbClr val="333333">
+                <a:alpha val="65000"/>
+              </a:srgbClr>
+            </a:outerShdw>
+          </a:effectLst>
+        </p:spPr>
+      </p:pic>
+      <p:sp>
+        <p:nvSpPr>
+          <p:cNvPr id="3" name="TextBox 2"/>
+          <p:cNvSpPr txBox="1"/>
+          <p:nvPr/>
+        </p:nvSpPr>
+        <p:spPr>
+          <a:xfrm>
+            <a:off x="2787445" y="280220"/>
+            <a:ext cx="6171882" cy="584775"/>
+          </a:xfrm>
+          <a:prstGeom prst="rect">
+            <a:avLst/>
+          </a:prstGeom>
+          <a:noFill/>
+        </p:spPr>
+        <p:txBody>
+          <a:bodyPr wrap="none" rtlCol="0">
+            <a:spAutoFit/>
+          </a:bodyPr>
+          <a:lstStyle/>
+          <a:p>
+            <a:r>
+              <a:rPr lang="ru-RU" sz="3200" dirty="0" smtClean="0"/>
+              <a:t>Код модификации компонента</a:t>
+            </a:r>
+            <a:endParaRPr lang="ru-RU" sz="3200" dirty="0"/>
+          </a:p>
+        </p:txBody>
+      </p:sp>
+    </p:spTree>
+    <p:extLst>
+      <p:ext uri="{BB962C8B-B14F-4D97-AF65-F5344CB8AC3E}">
+        <p14:creationId xmlns:p14="http://schemas.microsoft.com/office/powerpoint/2010/main" val="2615600810"/>
+      </p:ext>
+    </p:extLst>
+  </p:cSld>
+  <p:clrMapOvr>
+    <a:masterClrMapping/>
+  </p:clrMapOvr>
+</p:sld>
+</file>
+
+<file path=ppt/slides/slide19.xml><?xml version="1.0" encoding="utf-8"?>
+<p:sld xmlns:a="http://schemas.openxmlformats.org/drawingml/2006/main" xmlns:r="http://schemas.openxmlformats.org/officeDocument/2006/relationships" xmlns:p="http://schemas.openxmlformats.org/presentationml/2006/main">
+  <p:cSld>
+    <p:spTree>
+      <p:nvGrpSpPr>
+        <p:cNvPr id="1" name=""/>
+        <p:cNvGrpSpPr/>
+        <p:nvPr/>
+      </p:nvGrpSpPr>
+      <p:grpSpPr>
+        <a:xfrm>
+          <a:off x="0" y="0"/>
+          <a:ext cx="0" cy="0"/>
+          <a:chOff x="0" y="0"/>
+          <a:chExt cx="0" cy="0"/>
+        </a:xfrm>
+      </p:grpSpPr>
+      <p:sp>
+        <p:nvSpPr>
+          <p:cNvPr id="2" name="TextBox 1"/>
+          <p:cNvSpPr txBox="1"/>
+          <p:nvPr/>
+        </p:nvSpPr>
+        <p:spPr>
+          <a:xfrm>
+            <a:off x="3510115" y="127005"/>
+            <a:ext cx="4964821" cy="584775"/>
+          </a:xfrm>
+          <a:prstGeom prst="rect">
+            <a:avLst/>
+          </a:prstGeom>
+          <a:noFill/>
+        </p:spPr>
+        <p:txBody>
+          <a:bodyPr wrap="none" rtlCol="0">
+            <a:spAutoFit/>
+          </a:bodyPr>
+          <a:lstStyle/>
+          <a:p>
+            <a:r>
+              <a:rPr lang="ru-RU" sz="3200" dirty="0" smtClean="0"/>
+              <a:t>Результат модификации</a:t>
+            </a:r>
+            <a:endParaRPr lang="ru-RU" sz="3200" dirty="0"/>
+          </a:p>
+        </p:txBody>
+      </p:sp>
+      <p:pic>
+        <p:nvPicPr>
+          <p:cNvPr id="3" name="Рисунок 2"/>
+          <p:cNvPicPr>
+            <a:picLocks noChangeAspect="1"/>
+          </p:cNvPicPr>
+          <p:nvPr/>
+        </p:nvPicPr>
+        <p:blipFill>
+          <a:blip r:embed="rId2"/>
+          <a:stretch>
+            <a:fillRect/>
+          </a:stretch>
+        </p:blipFill>
+        <p:spPr>
+          <a:xfrm>
+            <a:off x="230821" y="862157"/>
+            <a:ext cx="11523408" cy="2847688"/>
+          </a:xfrm>
+          <a:prstGeom prst="rect">
+            <a:avLst/>
+          </a:prstGeom>
+          <a:ln>
+            <a:noFill/>
+          </a:ln>
+          <a:effectLst>
+            <a:outerShdw blurRad="292100" dist="139700" dir="2700000" algn="tl" rotWithShape="0">
+              <a:srgbClr val="333333">
+                <a:alpha val="65000"/>
+              </a:srgbClr>
+            </a:outerShdw>
+          </a:effectLst>
+        </p:spPr>
+      </p:pic>
+      <p:pic>
+        <p:nvPicPr>
+          <p:cNvPr id="4" name="Рисунок 3"/>
+          <p:cNvPicPr>
+            <a:picLocks noChangeAspect="1"/>
+          </p:cNvPicPr>
+          <p:nvPr/>
+        </p:nvPicPr>
+        <p:blipFill>
+          <a:blip r:embed="rId3"/>
+          <a:stretch>
+            <a:fillRect/>
+          </a:stretch>
+        </p:blipFill>
+        <p:spPr>
+          <a:xfrm>
+            <a:off x="2597938" y="3860222"/>
+            <a:ext cx="6789174" cy="2859660"/>
+          </a:xfrm>
+          <a:prstGeom prst="rect">
+            <a:avLst/>
+          </a:prstGeom>
+          <a:ln>
+            <a:noFill/>
+          </a:ln>
+          <a:effectLst>
+            <a:outerShdw blurRad="292100" dist="139700" dir="2700000" algn="tl" rotWithShape="0">
+              <a:srgbClr val="333333">
+                <a:alpha val="65000"/>
+              </a:srgbClr>
+            </a:outerShdw>
+          </a:effectLst>
+        </p:spPr>
+      </p:pic>
+    </p:spTree>
+    <p:extLst>
+      <p:ext uri="{BB962C8B-B14F-4D97-AF65-F5344CB8AC3E}">
+        <p14:creationId xmlns:p14="http://schemas.microsoft.com/office/powerpoint/2010/main" val="1861966726"/>
+      </p:ext>
+    </p:extLst>
+  </p:cSld>
+  <p:clrMapOvr>
+    <a:masterClrMapping/>
+  </p:clrMapOvr>
+</p:sld>
+</file>
+
 <file path=ppt/slides/slide2.xml><?xml version="1.0" encoding="utf-8"?>
 <p:sld xmlns:a="http://schemas.openxmlformats.org/drawingml/2006/main" xmlns:r="http://schemas.openxmlformats.org/officeDocument/2006/relationships" xmlns:p="http://schemas.openxmlformats.org/presentationml/2006/main">
   <p:cSld>
@@ -6195,6 +7727,844 @@
 </p:sld>
 </file>
 
+<file path=ppt/slides/slide20.xml><?xml version="1.0" encoding="utf-8"?>
+<p:sld xmlns:a="http://schemas.openxmlformats.org/drawingml/2006/main" xmlns:r="http://schemas.openxmlformats.org/officeDocument/2006/relationships" xmlns:p="http://schemas.openxmlformats.org/presentationml/2006/main">
+  <p:cSld>
+    <p:spTree>
+      <p:nvGrpSpPr>
+        <p:cNvPr id="1" name=""/>
+        <p:cNvGrpSpPr/>
+        <p:nvPr/>
+      </p:nvGrpSpPr>
+      <p:grpSpPr>
+        <a:xfrm>
+          <a:off x="0" y="0"/>
+          <a:ext cx="0" cy="0"/>
+          <a:chOff x="0" y="0"/>
+          <a:chExt cx="0" cy="0"/>
+        </a:xfrm>
+      </p:grpSpPr>
+      <p:sp>
+        <p:nvSpPr>
+          <p:cNvPr id="2" name="Заголовок 1"/>
+          <p:cNvSpPr txBox="1">
+            <a:spLocks/>
+          </p:cNvSpPr>
+          <p:nvPr/>
+        </p:nvSpPr>
+        <p:spPr>
+          <a:xfrm>
+            <a:off x="1339794" y="2516588"/>
+            <a:ext cx="8955555" cy="1701260"/>
+          </a:xfrm>
+          <a:prstGeom prst="rect">
+            <a:avLst/>
+          </a:prstGeom>
+        </p:spPr>
+        <p:txBody>
+          <a:bodyPr>
+            <a:normAutofit fontScale="90000"/>
+          </a:bodyPr>
+          <a:lstStyle>
+            <a:lvl1pPr algn="l" defTabSz="457200" rtl="0" eaLnBrk="1" latinLnBrk="0" hangingPunct="1">
+              <a:spcBef>
+                <a:spcPct val="0"/>
+              </a:spcBef>
+              <a:buNone/>
+              <a:defRPr sz="3600" kern="1200">
+                <a:solidFill>
+                  <a:schemeClr val="accent1"/>
+                </a:solidFill>
+                <a:latin typeface="+mj-lt"/>
+                <a:ea typeface="+mj-ea"/>
+                <a:cs typeface="+mj-cs"/>
+              </a:defRPr>
+            </a:lvl1pPr>
+            <a:lvl2pPr eaLnBrk="1" hangingPunct="1">
+              <a:defRPr>
+                <a:solidFill>
+                  <a:schemeClr val="tx2"/>
+                </a:solidFill>
+              </a:defRPr>
+            </a:lvl2pPr>
+            <a:lvl3pPr eaLnBrk="1" hangingPunct="1">
+              <a:defRPr>
+                <a:solidFill>
+                  <a:schemeClr val="tx2"/>
+                </a:solidFill>
+              </a:defRPr>
+            </a:lvl3pPr>
+            <a:lvl4pPr eaLnBrk="1" hangingPunct="1">
+              <a:defRPr>
+                <a:solidFill>
+                  <a:schemeClr val="tx2"/>
+                </a:solidFill>
+              </a:defRPr>
+            </a:lvl4pPr>
+            <a:lvl5pPr eaLnBrk="1" hangingPunct="1">
+              <a:defRPr>
+                <a:solidFill>
+                  <a:schemeClr val="tx2"/>
+                </a:solidFill>
+              </a:defRPr>
+            </a:lvl5pPr>
+            <a:lvl6pPr eaLnBrk="1" hangingPunct="1">
+              <a:defRPr>
+                <a:solidFill>
+                  <a:schemeClr val="tx2"/>
+                </a:solidFill>
+              </a:defRPr>
+            </a:lvl6pPr>
+            <a:lvl7pPr eaLnBrk="1" hangingPunct="1">
+              <a:defRPr>
+                <a:solidFill>
+                  <a:schemeClr val="tx2"/>
+                </a:solidFill>
+              </a:defRPr>
+            </a:lvl7pPr>
+            <a:lvl8pPr eaLnBrk="1" hangingPunct="1">
+              <a:defRPr>
+                <a:solidFill>
+                  <a:schemeClr val="tx2"/>
+                </a:solidFill>
+              </a:defRPr>
+            </a:lvl8pPr>
+            <a:lvl9pPr eaLnBrk="1" hangingPunct="1">
+              <a:defRPr>
+                <a:solidFill>
+                  <a:schemeClr val="tx2"/>
+                </a:solidFill>
+              </a:defRPr>
+            </a:lvl9pPr>
+          </a:lstStyle>
+          <a:p>
+            <a:pPr algn="ctr"/>
+            <a:r>
+              <a:rPr lang="ru-RU" dirty="0"/>
+              <a:t>ПК 4.4 Обеспечивать защиту программного обеспечения компьютерных систем программными </a:t>
+            </a:r>
+            <a:r>
+              <a:rPr lang="ru-RU" dirty="0" smtClean="0"/>
+              <a:t>средствами</a:t>
+            </a:r>
+            <a:endParaRPr lang="ru-RU" dirty="0"/>
+          </a:p>
+        </p:txBody>
+      </p:sp>
+      <p:sp>
+        <p:nvSpPr>
+          <p:cNvPr id="3" name="TextBox 2"/>
+          <p:cNvSpPr txBox="1"/>
+          <p:nvPr/>
+        </p:nvSpPr>
+        <p:spPr>
+          <a:xfrm>
+            <a:off x="465992" y="6348046"/>
+            <a:ext cx="2629246" cy="369332"/>
+          </a:xfrm>
+          <a:prstGeom prst="rect">
+            <a:avLst/>
+          </a:prstGeom>
+          <a:noFill/>
+        </p:spPr>
+        <p:txBody>
+          <a:bodyPr wrap="none" rtlCol="0">
+            <a:spAutoFit/>
+          </a:bodyPr>
+          <a:lstStyle/>
+          <a:p>
+            <a:r>
+              <a:rPr lang="ru-RU" dirty="0" smtClean="0"/>
+              <a:t>На </a:t>
+            </a:r>
+            <a:r>
+              <a:rPr lang="ru-RU" dirty="0" smtClean="0"/>
+              <a:t>примере</a:t>
+            </a:r>
+            <a:r>
+              <a:rPr lang="en-US" dirty="0" smtClean="0"/>
+              <a:t> </a:t>
+            </a:r>
+            <a:r>
+              <a:rPr lang="ru-RU" dirty="0" smtClean="0"/>
+              <a:t>МДК</a:t>
+            </a:r>
+            <a:r>
+              <a:rPr lang="en-US" dirty="0" smtClean="0"/>
+              <a:t> </a:t>
+            </a:r>
+            <a:r>
+              <a:rPr lang="ru-RU" dirty="0" smtClean="0"/>
+              <a:t>04.02</a:t>
+            </a:r>
+            <a:endParaRPr lang="ru-RU" dirty="0"/>
+          </a:p>
+        </p:txBody>
+      </p:sp>
+    </p:spTree>
+    <p:extLst>
+      <p:ext uri="{BB962C8B-B14F-4D97-AF65-F5344CB8AC3E}">
+        <p14:creationId xmlns:p14="http://schemas.microsoft.com/office/powerpoint/2010/main" val="4046521736"/>
+      </p:ext>
+    </p:extLst>
+  </p:cSld>
+  <p:clrMapOvr>
+    <a:masterClrMapping/>
+  </p:clrMapOvr>
+  <p:timing>
+    <p:tnLst>
+      <p:par>
+        <p:cTn id="1" dur="indefinite" restart="never" nodeType="tmRoot"/>
+      </p:par>
+    </p:tnLst>
+  </p:timing>
+</p:sld>
+</file>
+
+<file path=ppt/slides/slide21.xml><?xml version="1.0" encoding="utf-8"?>
+<p:sld xmlns:a="http://schemas.openxmlformats.org/drawingml/2006/main" xmlns:r="http://schemas.openxmlformats.org/officeDocument/2006/relationships" xmlns:p="http://schemas.openxmlformats.org/presentationml/2006/main">
+  <p:cSld>
+    <p:spTree>
+      <p:nvGrpSpPr>
+        <p:cNvPr id="1" name=""/>
+        <p:cNvGrpSpPr/>
+        <p:nvPr/>
+      </p:nvGrpSpPr>
+      <p:grpSpPr>
+        <a:xfrm>
+          <a:off x="0" y="0"/>
+          <a:ext cx="0" cy="0"/>
+          <a:chOff x="0" y="0"/>
+          <a:chExt cx="0" cy="0"/>
+        </a:xfrm>
+      </p:grpSpPr>
+      <p:pic>
+        <p:nvPicPr>
+          <p:cNvPr id="2" name="Рисунок 1"/>
+          <p:cNvPicPr/>
+          <p:nvPr/>
+        </p:nvPicPr>
+        <p:blipFill>
+          <a:blip r:embed="rId2"/>
+          <a:stretch>
+            <a:fillRect/>
+          </a:stretch>
+        </p:blipFill>
+        <p:spPr>
+          <a:xfrm>
+            <a:off x="66701" y="1178283"/>
+            <a:ext cx="5978012" cy="3701844"/>
+          </a:xfrm>
+          <a:prstGeom prst="rect">
+            <a:avLst/>
+          </a:prstGeom>
+          <a:ln>
+            <a:noFill/>
+          </a:ln>
+          <a:effectLst>
+            <a:outerShdw blurRad="292100" dist="139700" dir="2700000" algn="tl" rotWithShape="0">
+              <a:srgbClr val="333333">
+                <a:alpha val="65000"/>
+              </a:srgbClr>
+            </a:outerShdw>
+          </a:effectLst>
+        </p:spPr>
+      </p:pic>
+      <p:sp>
+        <p:nvSpPr>
+          <p:cNvPr id="3" name="TextBox 2"/>
+          <p:cNvSpPr txBox="1"/>
+          <p:nvPr/>
+        </p:nvSpPr>
+        <p:spPr>
+          <a:xfrm>
+            <a:off x="2153263" y="289237"/>
+            <a:ext cx="7782900" cy="584775"/>
+          </a:xfrm>
+          <a:prstGeom prst="rect">
+            <a:avLst/>
+          </a:prstGeom>
+          <a:noFill/>
+        </p:spPr>
+        <p:txBody>
+          <a:bodyPr wrap="none" rtlCol="0">
+            <a:spAutoFit/>
+          </a:bodyPr>
+          <a:lstStyle/>
+          <a:p>
+            <a:r>
+              <a:rPr lang="ru-RU" sz="3200" dirty="0" smtClean="0"/>
+              <a:t>Настройка и конфигурирование </a:t>
+            </a:r>
+            <a:r>
+              <a:rPr lang="en-US" sz="3200" dirty="0" err="1" smtClean="0"/>
+              <a:t>SELinux</a:t>
+            </a:r>
+            <a:endParaRPr lang="ru-RU" sz="3200" dirty="0"/>
+          </a:p>
+        </p:txBody>
+      </p:sp>
+      <p:pic>
+        <p:nvPicPr>
+          <p:cNvPr id="4" name="Рисунок 3"/>
+          <p:cNvPicPr/>
+          <p:nvPr/>
+        </p:nvPicPr>
+        <p:blipFill>
+          <a:blip r:embed="rId3"/>
+          <a:stretch>
+            <a:fillRect/>
+          </a:stretch>
+        </p:blipFill>
+        <p:spPr>
+          <a:xfrm>
+            <a:off x="6190410" y="1592824"/>
+            <a:ext cx="5859022" cy="2872761"/>
+          </a:xfrm>
+          <a:prstGeom prst="rect">
+            <a:avLst/>
+          </a:prstGeom>
+          <a:ln>
+            <a:noFill/>
+          </a:ln>
+          <a:effectLst>
+            <a:outerShdw blurRad="292100" dist="139700" dir="2700000" algn="tl" rotWithShape="0">
+              <a:srgbClr val="333333">
+                <a:alpha val="65000"/>
+              </a:srgbClr>
+            </a:outerShdw>
+          </a:effectLst>
+        </p:spPr>
+      </p:pic>
+      <p:pic>
+        <p:nvPicPr>
+          <p:cNvPr id="5" name="Рисунок 4"/>
+          <p:cNvPicPr>
+            <a:picLocks noChangeAspect="1"/>
+          </p:cNvPicPr>
+          <p:nvPr/>
+        </p:nvPicPr>
+        <p:blipFill>
+          <a:blip r:embed="rId4"/>
+          <a:stretch>
+            <a:fillRect/>
+          </a:stretch>
+        </p:blipFill>
+        <p:spPr>
+          <a:xfrm>
+            <a:off x="2856114" y="5252353"/>
+            <a:ext cx="6377198" cy="693172"/>
+          </a:xfrm>
+          <a:prstGeom prst="rect">
+            <a:avLst/>
+          </a:prstGeom>
+          <a:ln>
+            <a:noFill/>
+          </a:ln>
+          <a:effectLst>
+            <a:outerShdw blurRad="292100" dist="139700" dir="2700000" algn="tl" rotWithShape="0">
+              <a:srgbClr val="333333">
+                <a:alpha val="65000"/>
+              </a:srgbClr>
+            </a:outerShdw>
+          </a:effectLst>
+        </p:spPr>
+      </p:pic>
+    </p:spTree>
+    <p:extLst>
+      <p:ext uri="{BB962C8B-B14F-4D97-AF65-F5344CB8AC3E}">
+        <p14:creationId xmlns:p14="http://schemas.microsoft.com/office/powerpoint/2010/main" val="1648912221"/>
+      </p:ext>
+    </p:extLst>
+  </p:cSld>
+  <p:clrMapOvr>
+    <a:masterClrMapping/>
+  </p:clrMapOvr>
+</p:sld>
+</file>
+
+<file path=ppt/slides/slide22.xml><?xml version="1.0" encoding="utf-8"?>
+<p:sld xmlns:a="http://schemas.openxmlformats.org/drawingml/2006/main" xmlns:r="http://schemas.openxmlformats.org/officeDocument/2006/relationships" xmlns:p="http://schemas.openxmlformats.org/presentationml/2006/main">
+  <p:cSld>
+    <p:spTree>
+      <p:nvGrpSpPr>
+        <p:cNvPr id="1" name=""/>
+        <p:cNvGrpSpPr/>
+        <p:nvPr/>
+      </p:nvGrpSpPr>
+      <p:grpSpPr>
+        <a:xfrm>
+          <a:off x="0" y="0"/>
+          <a:ext cx="0" cy="0"/>
+          <a:chOff x="0" y="0"/>
+          <a:chExt cx="0" cy="0"/>
+        </a:xfrm>
+      </p:grpSpPr>
+      <p:pic>
+        <p:nvPicPr>
+          <p:cNvPr id="2" name="Рисунок 1"/>
+          <p:cNvPicPr>
+            <a:picLocks noChangeAspect="1"/>
+          </p:cNvPicPr>
+          <p:nvPr/>
+        </p:nvPicPr>
+        <p:blipFill>
+          <a:blip r:embed="rId2"/>
+          <a:stretch>
+            <a:fillRect/>
+          </a:stretch>
+        </p:blipFill>
+        <p:spPr>
+          <a:xfrm>
+            <a:off x="342130" y="2064775"/>
+            <a:ext cx="11212772" cy="2846438"/>
+          </a:xfrm>
+          <a:prstGeom prst="rect">
+            <a:avLst/>
+          </a:prstGeom>
+          <a:ln>
+            <a:noFill/>
+          </a:ln>
+          <a:effectLst>
+            <a:outerShdw blurRad="292100" dist="139700" dir="2700000" algn="tl" rotWithShape="0">
+              <a:srgbClr val="333333">
+                <a:alpha val="65000"/>
+              </a:srgbClr>
+            </a:outerShdw>
+          </a:effectLst>
+        </p:spPr>
+      </p:pic>
+      <p:sp>
+        <p:nvSpPr>
+          <p:cNvPr id="3" name="TextBox 2"/>
+          <p:cNvSpPr txBox="1"/>
+          <p:nvPr/>
+        </p:nvSpPr>
+        <p:spPr>
+          <a:xfrm>
+            <a:off x="2581248" y="348230"/>
+            <a:ext cx="6734536" cy="584775"/>
+          </a:xfrm>
+          <a:prstGeom prst="rect">
+            <a:avLst/>
+          </a:prstGeom>
+          <a:noFill/>
+        </p:spPr>
+        <p:txBody>
+          <a:bodyPr wrap="none" rtlCol="0">
+            <a:spAutoFit/>
+          </a:bodyPr>
+          <a:lstStyle/>
+          <a:p>
+            <a:r>
+              <a:rPr lang="ru-RU" sz="3200" dirty="0" smtClean="0"/>
+              <a:t>Настройка прав пользователей БД</a:t>
+            </a:r>
+            <a:endParaRPr lang="ru-RU" sz="3200" dirty="0"/>
+          </a:p>
+        </p:txBody>
+      </p:sp>
+    </p:spTree>
+    <p:extLst>
+      <p:ext uri="{BB962C8B-B14F-4D97-AF65-F5344CB8AC3E}">
+        <p14:creationId xmlns:p14="http://schemas.microsoft.com/office/powerpoint/2010/main" val="3961275979"/>
+      </p:ext>
+    </p:extLst>
+  </p:cSld>
+  <p:clrMapOvr>
+    <a:masterClrMapping/>
+  </p:clrMapOvr>
+</p:sld>
+</file>
+
+<file path=ppt/slides/slide23.xml><?xml version="1.0" encoding="utf-8"?>
+<p:sld xmlns:a="http://schemas.openxmlformats.org/drawingml/2006/main" xmlns:r="http://schemas.openxmlformats.org/officeDocument/2006/relationships" xmlns:p="http://schemas.openxmlformats.org/presentationml/2006/main">
+  <p:cSld>
+    <p:spTree>
+      <p:nvGrpSpPr>
+        <p:cNvPr id="1" name=""/>
+        <p:cNvGrpSpPr/>
+        <p:nvPr/>
+      </p:nvGrpSpPr>
+      <p:grpSpPr>
+        <a:xfrm>
+          <a:off x="0" y="0"/>
+          <a:ext cx="0" cy="0"/>
+          <a:chOff x="0" y="0"/>
+          <a:chExt cx="0" cy="0"/>
+        </a:xfrm>
+      </p:grpSpPr>
+      <p:pic>
+        <p:nvPicPr>
+          <p:cNvPr id="2" name="Рисунок 1"/>
+          <p:cNvPicPr/>
+          <p:nvPr/>
+        </p:nvPicPr>
+        <p:blipFill>
+          <a:blip r:embed="rId2"/>
+          <a:stretch>
+            <a:fillRect/>
+          </a:stretch>
+        </p:blipFill>
+        <p:spPr>
+          <a:xfrm>
+            <a:off x="6037004" y="1538532"/>
+            <a:ext cx="5940425" cy="4223385"/>
+          </a:xfrm>
+          <a:prstGeom prst="rect">
+            <a:avLst/>
+          </a:prstGeom>
+          <a:ln>
+            <a:noFill/>
+          </a:ln>
+          <a:effectLst>
+            <a:outerShdw blurRad="292100" dist="139700" dir="2700000" algn="tl" rotWithShape="0">
+              <a:srgbClr val="333333">
+                <a:alpha val="65000"/>
+              </a:srgbClr>
+            </a:outerShdw>
+          </a:effectLst>
+        </p:spPr>
+      </p:pic>
+      <p:sp>
+        <p:nvSpPr>
+          <p:cNvPr id="3" name="TextBox 2"/>
+          <p:cNvSpPr txBox="1"/>
+          <p:nvPr/>
+        </p:nvSpPr>
+        <p:spPr>
+          <a:xfrm>
+            <a:off x="3367043" y="289237"/>
+            <a:ext cx="5339923" cy="584775"/>
+          </a:xfrm>
+          <a:prstGeom prst="rect">
+            <a:avLst/>
+          </a:prstGeom>
+          <a:noFill/>
+        </p:spPr>
+        <p:txBody>
+          <a:bodyPr wrap="none" rtlCol="0">
+            <a:spAutoFit/>
+          </a:bodyPr>
+          <a:lstStyle/>
+          <a:p>
+            <a:r>
+              <a:rPr lang="ru-RU" sz="3200" dirty="0" smtClean="0"/>
+              <a:t>Использование антивируса</a:t>
+            </a:r>
+            <a:endParaRPr lang="ru-RU" sz="3200" dirty="0"/>
+          </a:p>
+        </p:txBody>
+      </p:sp>
+      <p:pic>
+        <p:nvPicPr>
+          <p:cNvPr id="4" name="Рисунок 3"/>
+          <p:cNvPicPr/>
+          <p:nvPr/>
+        </p:nvPicPr>
+        <p:blipFill>
+          <a:blip r:embed="rId3"/>
+          <a:stretch>
+            <a:fillRect/>
+          </a:stretch>
+        </p:blipFill>
+        <p:spPr>
+          <a:xfrm>
+            <a:off x="135808" y="1538532"/>
+            <a:ext cx="5792674" cy="4223385"/>
+          </a:xfrm>
+          <a:prstGeom prst="rect">
+            <a:avLst/>
+          </a:prstGeom>
+          <a:ln>
+            <a:noFill/>
+          </a:ln>
+          <a:effectLst>
+            <a:outerShdw blurRad="292100" dist="139700" dir="2700000" algn="tl" rotWithShape="0">
+              <a:srgbClr val="333333">
+                <a:alpha val="65000"/>
+              </a:srgbClr>
+            </a:outerShdw>
+          </a:effectLst>
+        </p:spPr>
+      </p:pic>
+    </p:spTree>
+    <p:extLst>
+      <p:ext uri="{BB962C8B-B14F-4D97-AF65-F5344CB8AC3E}">
+        <p14:creationId xmlns:p14="http://schemas.microsoft.com/office/powerpoint/2010/main" val="2142907000"/>
+      </p:ext>
+    </p:extLst>
+  </p:cSld>
+  <p:clrMapOvr>
+    <a:masterClrMapping/>
+  </p:clrMapOvr>
+</p:sld>
+</file>
+
+<file path=ppt/slides/slide24.xml><?xml version="1.0" encoding="utf-8"?>
+<p:sld xmlns:a="http://schemas.openxmlformats.org/drawingml/2006/main" xmlns:r="http://schemas.openxmlformats.org/officeDocument/2006/relationships" xmlns:p="http://schemas.openxmlformats.org/presentationml/2006/main">
+  <p:cSld>
+    <p:spTree>
+      <p:nvGrpSpPr>
+        <p:cNvPr id="1" name=""/>
+        <p:cNvGrpSpPr/>
+        <p:nvPr/>
+      </p:nvGrpSpPr>
+      <p:grpSpPr>
+        <a:xfrm>
+          <a:off x="0" y="0"/>
+          <a:ext cx="0" cy="0"/>
+          <a:chOff x="0" y="0"/>
+          <a:chExt cx="0" cy="0"/>
+        </a:xfrm>
+      </p:grpSpPr>
+      <p:pic>
+        <p:nvPicPr>
+          <p:cNvPr id="2" name="Рисунок 1"/>
+          <p:cNvPicPr>
+            <a:picLocks noChangeAspect="1"/>
+          </p:cNvPicPr>
+          <p:nvPr/>
+        </p:nvPicPr>
+        <p:blipFill>
+          <a:blip r:embed="rId2"/>
+          <a:stretch>
+            <a:fillRect/>
+          </a:stretch>
+        </p:blipFill>
+        <p:spPr>
+          <a:xfrm>
+            <a:off x="143515" y="1209369"/>
+            <a:ext cx="11794874" cy="2109016"/>
+          </a:xfrm>
+          <a:prstGeom prst="rect">
+            <a:avLst/>
+          </a:prstGeom>
+          <a:ln>
+            <a:noFill/>
+          </a:ln>
+          <a:effectLst>
+            <a:outerShdw blurRad="292100" dist="139700" dir="2700000" algn="tl" rotWithShape="0">
+              <a:srgbClr val="333333">
+                <a:alpha val="65000"/>
+              </a:srgbClr>
+            </a:outerShdw>
+          </a:effectLst>
+        </p:spPr>
+      </p:pic>
+      <p:sp>
+        <p:nvSpPr>
+          <p:cNvPr id="5" name="TextBox 4"/>
+          <p:cNvSpPr txBox="1"/>
+          <p:nvPr/>
+        </p:nvSpPr>
+        <p:spPr>
+          <a:xfrm>
+            <a:off x="3819831" y="171251"/>
+            <a:ext cx="4442242" cy="584775"/>
+          </a:xfrm>
+          <a:prstGeom prst="rect">
+            <a:avLst/>
+          </a:prstGeom>
+          <a:noFill/>
+        </p:spPr>
+        <p:txBody>
+          <a:bodyPr wrap="none" rtlCol="0">
+            <a:spAutoFit/>
+          </a:bodyPr>
+          <a:lstStyle/>
+          <a:p>
+            <a:r>
+              <a:rPr lang="ru-RU" sz="3200" dirty="0" smtClean="0"/>
+              <a:t>Хеширование паролей</a:t>
+            </a:r>
+            <a:endParaRPr lang="ru-RU" sz="3200" dirty="0"/>
+          </a:p>
+        </p:txBody>
+      </p:sp>
+      <p:pic>
+        <p:nvPicPr>
+          <p:cNvPr id="6" name="Рисунок 5"/>
+          <p:cNvPicPr>
+            <a:picLocks noChangeAspect="1"/>
+          </p:cNvPicPr>
+          <p:nvPr/>
+        </p:nvPicPr>
+        <p:blipFill>
+          <a:blip r:embed="rId3"/>
+          <a:stretch>
+            <a:fillRect/>
+          </a:stretch>
+        </p:blipFill>
+        <p:spPr>
+          <a:xfrm>
+            <a:off x="2640171" y="3594747"/>
+            <a:ext cx="6801562" cy="2795162"/>
+          </a:xfrm>
+          <a:prstGeom prst="rect">
+            <a:avLst/>
+          </a:prstGeom>
+          <a:ln>
+            <a:noFill/>
+          </a:ln>
+          <a:effectLst>
+            <a:outerShdw blurRad="292100" dist="139700" dir="2700000" algn="tl" rotWithShape="0">
+              <a:srgbClr val="333333">
+                <a:alpha val="65000"/>
+              </a:srgbClr>
+            </a:outerShdw>
+          </a:effectLst>
+        </p:spPr>
+      </p:pic>
+    </p:spTree>
+    <p:extLst>
+      <p:ext uri="{BB962C8B-B14F-4D97-AF65-F5344CB8AC3E}">
+        <p14:creationId xmlns:p14="http://schemas.microsoft.com/office/powerpoint/2010/main" val="3338923791"/>
+      </p:ext>
+    </p:extLst>
+  </p:cSld>
+  <p:clrMapOvr>
+    <a:masterClrMapping/>
+  </p:clrMapOvr>
+</p:sld>
+</file>
+
+<file path=ppt/slides/slide25.xml><?xml version="1.0" encoding="utf-8"?>
+<p:sld xmlns:a="http://schemas.openxmlformats.org/drawingml/2006/main" xmlns:r="http://schemas.openxmlformats.org/officeDocument/2006/relationships" xmlns:p="http://schemas.openxmlformats.org/presentationml/2006/main">
+  <p:cSld>
+    <p:spTree>
+      <p:nvGrpSpPr>
+        <p:cNvPr id="1" name=""/>
+        <p:cNvGrpSpPr/>
+        <p:nvPr/>
+      </p:nvGrpSpPr>
+      <p:grpSpPr>
+        <a:xfrm>
+          <a:off x="0" y="0"/>
+          <a:ext cx="0" cy="0"/>
+          <a:chOff x="0" y="0"/>
+          <a:chExt cx="0" cy="0"/>
+        </a:xfrm>
+      </p:grpSpPr>
+      <p:pic>
+        <p:nvPicPr>
+          <p:cNvPr id="2" name="Рисунок 1"/>
+          <p:cNvPicPr>
+            <a:picLocks noChangeAspect="1"/>
+          </p:cNvPicPr>
+          <p:nvPr/>
+        </p:nvPicPr>
+        <p:blipFill>
+          <a:blip r:embed="rId2"/>
+          <a:stretch>
+            <a:fillRect/>
+          </a:stretch>
+        </p:blipFill>
+        <p:spPr>
+          <a:xfrm>
+            <a:off x="1170301" y="1991032"/>
+            <a:ext cx="9939888" cy="1666568"/>
+          </a:xfrm>
+          <a:prstGeom prst="rect">
+            <a:avLst/>
+          </a:prstGeom>
+          <a:ln>
+            <a:noFill/>
+          </a:ln>
+          <a:effectLst>
+            <a:outerShdw blurRad="292100" dist="139700" dir="2700000" algn="tl" rotWithShape="0">
+              <a:srgbClr val="333333">
+                <a:alpha val="65000"/>
+              </a:srgbClr>
+            </a:outerShdw>
+          </a:effectLst>
+        </p:spPr>
+      </p:pic>
+      <p:sp>
+        <p:nvSpPr>
+          <p:cNvPr id="3" name="TextBox 2"/>
+          <p:cNvSpPr txBox="1"/>
+          <p:nvPr/>
+        </p:nvSpPr>
+        <p:spPr>
+          <a:xfrm>
+            <a:off x="3639814" y="274490"/>
+            <a:ext cx="4853380" cy="584775"/>
+          </a:xfrm>
+          <a:prstGeom prst="rect">
+            <a:avLst/>
+          </a:prstGeom>
+          <a:noFill/>
+        </p:spPr>
+        <p:txBody>
+          <a:bodyPr wrap="none" rtlCol="0">
+            <a:spAutoFit/>
+          </a:bodyPr>
+          <a:lstStyle/>
+          <a:p>
+            <a:r>
+              <a:rPr lang="ru-RU" sz="3200" dirty="0" smtClean="0"/>
+              <a:t>Домен и </a:t>
+            </a:r>
+            <a:r>
+              <a:rPr lang="en-US" sz="3200" dirty="0" smtClean="0"/>
+              <a:t>SSL </a:t>
+            </a:r>
+            <a:r>
+              <a:rPr lang="ru-RU" sz="3200" dirty="0" smtClean="0"/>
+              <a:t>сертификат</a:t>
+            </a:r>
+            <a:endParaRPr lang="ru-RU" sz="3200" dirty="0"/>
+          </a:p>
+        </p:txBody>
+      </p:sp>
+      <p:pic>
+        <p:nvPicPr>
+          <p:cNvPr id="4" name="Рисунок 3"/>
+          <p:cNvPicPr>
+            <a:picLocks noChangeAspect="1"/>
+          </p:cNvPicPr>
+          <p:nvPr/>
+        </p:nvPicPr>
+        <p:blipFill>
+          <a:blip r:embed="rId3"/>
+          <a:stretch>
+            <a:fillRect/>
+          </a:stretch>
+        </p:blipFill>
+        <p:spPr>
+          <a:xfrm>
+            <a:off x="2760406" y="4159047"/>
+            <a:ext cx="6759678" cy="1253610"/>
+          </a:xfrm>
+          <a:prstGeom prst="rect">
+            <a:avLst/>
+          </a:prstGeom>
+          <a:ln>
+            <a:noFill/>
+          </a:ln>
+          <a:effectLst>
+            <a:outerShdw blurRad="292100" dist="139700" dir="2700000" algn="tl" rotWithShape="0">
+              <a:srgbClr val="333333">
+                <a:alpha val="65000"/>
+              </a:srgbClr>
+            </a:outerShdw>
+          </a:effectLst>
+        </p:spPr>
+      </p:pic>
+    </p:spTree>
+    <p:extLst>
+      <p:ext uri="{BB962C8B-B14F-4D97-AF65-F5344CB8AC3E}">
+        <p14:creationId xmlns:p14="http://schemas.microsoft.com/office/powerpoint/2010/main" val="3140582810"/>
+      </p:ext>
+    </p:extLst>
+  </p:cSld>
+  <p:clrMapOvr>
+    <a:masterClrMapping/>
+  </p:clrMapOvr>
+</p:sld>
+</file>
+
 <file path=ppt/slides/slide3.xml><?xml version="1.0" encoding="utf-8"?>
 <p:sld xmlns:a="http://schemas.openxmlformats.org/drawingml/2006/main" xmlns:r="http://schemas.openxmlformats.org/officeDocument/2006/relationships" xmlns:p="http://schemas.openxmlformats.org/presentationml/2006/main">
   <p:cSld>
@@ -6316,14 +8686,14 @@
       </p:sp>
       <p:sp>
         <p:nvSpPr>
-          <p:cNvPr id="3" name="TextBox 2"/>
+          <p:cNvPr id="4" name="TextBox 3"/>
           <p:cNvSpPr txBox="1"/>
           <p:nvPr/>
         </p:nvSpPr>
         <p:spPr>
           <a:xfrm>
             <a:off x="465992" y="6348046"/>
-            <a:ext cx="1447832" cy="369332"/>
+            <a:ext cx="3498073" cy="369332"/>
           </a:xfrm>
           <a:prstGeom prst="rect">
             <a:avLst/>
@@ -6339,6 +8709,14 @@
             <a:r>
               <a:rPr lang="ru-RU" dirty="0" smtClean="0"/>
               <a:t>На примере</a:t>
+            </a:r>
+            <a:r>
+              <a:rPr lang="en-US" dirty="0" smtClean="0"/>
+              <a:t> </a:t>
+            </a:r>
+            <a:r>
+              <a:rPr lang="ru-RU" dirty="0" smtClean="0"/>
+              <a:t>курсового проекта</a:t>
             </a:r>
             <a:endParaRPr lang="ru-RU" dirty="0"/>
           </a:p>
@@ -6383,116 +8761,14 @@
       </p:grpSpPr>
       <p:sp>
         <p:nvSpPr>
-          <p:cNvPr id="2" name="Заголовок 1"/>
-          <p:cNvSpPr txBox="1">
-            <a:spLocks/>
-          </p:cNvSpPr>
-          <p:nvPr/>
-        </p:nvSpPr>
-        <p:spPr>
-          <a:xfrm>
-            <a:off x="1339794" y="2516588"/>
-            <a:ext cx="8955555" cy="1701260"/>
-          </a:xfrm>
-          <a:prstGeom prst="rect">
-            <a:avLst/>
-          </a:prstGeom>
-        </p:spPr>
-        <p:txBody>
-          <a:bodyPr>
-            <a:normAutofit fontScale="90000" lnSpcReduction="20000"/>
-          </a:bodyPr>
-          <a:lstStyle>
-            <a:lvl1pPr algn="l" defTabSz="457200" rtl="0" eaLnBrk="1" latinLnBrk="0" hangingPunct="1">
-              <a:spcBef>
-                <a:spcPct val="0"/>
-              </a:spcBef>
-              <a:buNone/>
-              <a:defRPr sz="3600" kern="1200">
-                <a:solidFill>
-                  <a:schemeClr val="accent1"/>
-                </a:solidFill>
-                <a:latin typeface="+mj-lt"/>
-                <a:ea typeface="+mj-ea"/>
-                <a:cs typeface="+mj-cs"/>
-              </a:defRPr>
-            </a:lvl1pPr>
-            <a:lvl2pPr eaLnBrk="1" hangingPunct="1">
-              <a:defRPr>
-                <a:solidFill>
-                  <a:schemeClr val="tx2"/>
-                </a:solidFill>
-              </a:defRPr>
-            </a:lvl2pPr>
-            <a:lvl3pPr eaLnBrk="1" hangingPunct="1">
-              <a:defRPr>
-                <a:solidFill>
-                  <a:schemeClr val="tx2"/>
-                </a:solidFill>
-              </a:defRPr>
-            </a:lvl3pPr>
-            <a:lvl4pPr eaLnBrk="1" hangingPunct="1">
-              <a:defRPr>
-                <a:solidFill>
-                  <a:schemeClr val="tx2"/>
-                </a:solidFill>
-              </a:defRPr>
-            </a:lvl4pPr>
-            <a:lvl5pPr eaLnBrk="1" hangingPunct="1">
-              <a:defRPr>
-                <a:solidFill>
-                  <a:schemeClr val="tx2"/>
-                </a:solidFill>
-              </a:defRPr>
-            </a:lvl5pPr>
-            <a:lvl6pPr eaLnBrk="1" hangingPunct="1">
-              <a:defRPr>
-                <a:solidFill>
-                  <a:schemeClr val="tx2"/>
-                </a:solidFill>
-              </a:defRPr>
-            </a:lvl6pPr>
-            <a:lvl7pPr eaLnBrk="1" hangingPunct="1">
-              <a:defRPr>
-                <a:solidFill>
-                  <a:schemeClr val="tx2"/>
-                </a:solidFill>
-              </a:defRPr>
-            </a:lvl7pPr>
-            <a:lvl8pPr eaLnBrk="1" hangingPunct="1">
-              <a:defRPr>
-                <a:solidFill>
-                  <a:schemeClr val="tx2"/>
-                </a:solidFill>
-              </a:defRPr>
-            </a:lvl8pPr>
-            <a:lvl9pPr eaLnBrk="1" hangingPunct="1">
-              <a:defRPr>
-                <a:solidFill>
-                  <a:schemeClr val="tx2"/>
-                </a:solidFill>
-              </a:defRPr>
-            </a:lvl9pPr>
-          </a:lstStyle>
-          <a:p>
-            <a:pPr algn="ctr"/>
-            <a:r>
-              <a:rPr lang="ru-RU" dirty="0"/>
-              <a:t>ПК 4.2 Осуществлять измерения эксплуатационных характеристик программного обеспечения компьютерных систем</a:t>
-            </a:r>
-          </a:p>
-        </p:txBody>
-      </p:sp>
-      <p:sp>
-        <p:nvSpPr>
           <p:cNvPr id="3" name="TextBox 2"/>
           <p:cNvSpPr txBox="1"/>
           <p:nvPr/>
         </p:nvSpPr>
         <p:spPr>
           <a:xfrm>
-            <a:off x="465992" y="6348046"/>
-            <a:ext cx="3498073" cy="369332"/>
+            <a:off x="3868993" y="245185"/>
+            <a:ext cx="4390946" cy="584775"/>
           </a:xfrm>
           <a:prstGeom prst="rect">
             <a:avLst/>
@@ -6506,42 +8782,107 @@
           <a:lstStyle/>
           <a:p>
             <a:r>
-              <a:rPr lang="ru-RU" dirty="0" smtClean="0"/>
-              <a:t>На </a:t>
-            </a:r>
-            <a:r>
-              <a:rPr lang="ru-RU" dirty="0" smtClean="0"/>
-              <a:t>примере</a:t>
-            </a:r>
-            <a:r>
-              <a:rPr lang="en-US" dirty="0" smtClean="0"/>
-              <a:t> </a:t>
-            </a:r>
-            <a:r>
-              <a:rPr lang="ru-RU" dirty="0" smtClean="0"/>
-              <a:t>курсового проекта</a:t>
-            </a:r>
-            <a:endParaRPr lang="ru-RU" dirty="0"/>
-          </a:p>
-        </p:txBody>
-      </p:sp>
+              <a:rPr lang="ru-RU" sz="3200" dirty="0" smtClean="0"/>
+              <a:t>Установка СУБД </a:t>
+            </a:r>
+            <a:r>
+              <a:rPr lang="en-US" sz="3200" dirty="0" err="1" smtClean="0"/>
+              <a:t>MySql</a:t>
+            </a:r>
+            <a:endParaRPr lang="ru-RU" sz="3200" dirty="0"/>
+          </a:p>
+        </p:txBody>
+      </p:sp>
+      <p:pic>
+        <p:nvPicPr>
+          <p:cNvPr id="4" name="Рисунок 3"/>
+          <p:cNvPicPr>
+            <a:picLocks noChangeAspect="1"/>
+          </p:cNvPicPr>
+          <p:nvPr/>
+        </p:nvPicPr>
+        <p:blipFill>
+          <a:blip r:embed="rId2">
+            <a:extLst>
+              <a:ext uri="{28A0092B-C50C-407E-A947-70E740481C1C}">
+                <a14:useLocalDpi xmlns:a14="http://schemas.microsoft.com/office/drawing/2010/main" val="0"/>
+              </a:ext>
+            </a:extLst>
+          </a:blip>
+          <a:stretch>
+            <a:fillRect/>
+          </a:stretch>
+        </p:blipFill>
+        <p:spPr>
+          <a:xfrm>
+            <a:off x="6064466" y="1600201"/>
+            <a:ext cx="5985710" cy="4489280"/>
+          </a:xfrm>
+          <a:prstGeom prst="rect">
+            <a:avLst/>
+          </a:prstGeom>
+          <a:ln>
+            <a:noFill/>
+          </a:ln>
+          <a:effectLst>
+            <a:outerShdw blurRad="292100" dist="139700" dir="2700000" algn="tl" rotWithShape="0">
+              <a:srgbClr val="333333">
+                <a:alpha val="65000"/>
+              </a:srgbClr>
+            </a:outerShdw>
+          </a:effectLst>
+        </p:spPr>
+      </p:pic>
+      <p:pic>
+        <p:nvPicPr>
+          <p:cNvPr id="5" name="Рисунок 4"/>
+          <p:cNvPicPr>
+            <a:picLocks noChangeAspect="1"/>
+          </p:cNvPicPr>
+          <p:nvPr/>
+        </p:nvPicPr>
+        <p:blipFill>
+          <a:blip r:embed="rId3">
+            <a:extLst>
+              <a:ext uri="{28A0092B-C50C-407E-A947-70E740481C1C}">
+                <a14:useLocalDpi xmlns:a14="http://schemas.microsoft.com/office/drawing/2010/main" val="0"/>
+              </a:ext>
+            </a:extLst>
+          </a:blip>
+          <a:stretch>
+            <a:fillRect/>
+          </a:stretch>
+        </p:blipFill>
+        <p:spPr>
+          <a:xfrm>
+            <a:off x="165947" y="1740310"/>
+            <a:ext cx="5689042" cy="4209062"/>
+          </a:xfrm>
+          <a:prstGeom prst="rect">
+            <a:avLst/>
+          </a:prstGeom>
+          <a:ln>
+            <a:noFill/>
+          </a:ln>
+          <a:effectLst>
+            <a:outerShdw blurRad="292100" dist="139700" dir="2700000" algn="tl" rotWithShape="0">
+              <a:srgbClr val="333333">
+                <a:alpha val="65000"/>
+              </a:srgbClr>
+            </a:outerShdw>
+          </a:effectLst>
+        </p:spPr>
+      </p:pic>
     </p:spTree>
     <p:extLst>
       <p:ext uri="{BB962C8B-B14F-4D97-AF65-F5344CB8AC3E}">
-        <p14:creationId xmlns:p14="http://schemas.microsoft.com/office/powerpoint/2010/main" val="2772563981"/>
+        <p14:creationId xmlns:p14="http://schemas.microsoft.com/office/powerpoint/2010/main" val="3680023409"/>
       </p:ext>
     </p:extLst>
   </p:cSld>
   <p:clrMapOvr>
     <a:masterClrMapping/>
   </p:clrMapOvr>
-  <p:timing>
-    <p:tnLst>
-      <p:par>
-        <p:cTn id="1" dur="indefinite" restart="never" nodeType="tmRoot"/>
-      </p:par>
-    </p:tnLst>
-  </p:timing>
 </p:sld>
 </file>
 
@@ -6578,8 +8919,8 @@
         </p:blipFill>
         <p:spPr>
           <a:xfrm>
-            <a:off x="142745" y="1148662"/>
-            <a:ext cx="6087726" cy="3846790"/>
+            <a:off x="342130" y="2064775"/>
+            <a:ext cx="11212772" cy="2846438"/>
           </a:xfrm>
           <a:prstGeom prst="rect">
             <a:avLst/>
@@ -6588,9 +8929,9 @@
             <a:noFill/>
           </a:ln>
           <a:effectLst>
-            <a:outerShdw blurRad="190500" algn="tl" rotWithShape="0">
-              <a:srgbClr val="000000">
-                <a:alpha val="70000"/>
+            <a:outerShdw blurRad="292100" dist="139700" dir="2700000" algn="tl" rotWithShape="0">
+              <a:srgbClr val="333333">
+                <a:alpha val="65000"/>
               </a:srgbClr>
             </a:outerShdw>
           </a:effectLst>
@@ -6604,8 +8945,8 @@
         </p:nvSpPr>
         <p:spPr>
           <a:xfrm>
-            <a:off x="861647" y="186191"/>
-            <a:ext cx="9825126" cy="584775"/>
+            <a:off x="2581248" y="348230"/>
+            <a:ext cx="6734536" cy="584775"/>
           </a:xfrm>
           <a:prstGeom prst="rect">
             <a:avLst/>
@@ -6620,84 +8961,16 @@
           <a:p>
             <a:r>
               <a:rPr lang="ru-RU" sz="3200" dirty="0" smtClean="0"/>
-              <a:t>Диагностика расходуемых приложением ресурсов</a:t>
+              <a:t>Настройка прав пользователей БД</a:t>
             </a:r>
             <a:endParaRPr lang="ru-RU" sz="3200" dirty="0"/>
           </a:p>
         </p:txBody>
       </p:sp>
-      <p:pic>
-        <p:nvPicPr>
-          <p:cNvPr id="5" name="Рисунок 4"/>
-          <p:cNvPicPr>
-            <a:picLocks noChangeAspect="1"/>
-          </p:cNvPicPr>
-          <p:nvPr/>
-        </p:nvPicPr>
-        <p:blipFill>
-          <a:blip r:embed="rId3"/>
-          <a:stretch>
-            <a:fillRect/>
-          </a:stretch>
-        </p:blipFill>
-        <p:spPr>
-          <a:xfrm>
-            <a:off x="6475053" y="1148662"/>
-            <a:ext cx="5425820" cy="3846790"/>
-          </a:xfrm>
-          <a:prstGeom prst="rect">
-            <a:avLst/>
-          </a:prstGeom>
-          <a:ln>
-            <a:noFill/>
-          </a:ln>
-          <a:effectLst>
-            <a:outerShdw blurRad="190500" algn="tl" rotWithShape="0">
-              <a:srgbClr val="000000">
-                <a:alpha val="70000"/>
-              </a:srgbClr>
-            </a:outerShdw>
-          </a:effectLst>
-        </p:spPr>
-      </p:pic>
-      <p:pic>
-        <p:nvPicPr>
-          <p:cNvPr id="8" name="Рисунок 7"/>
-          <p:cNvPicPr>
-            <a:picLocks noChangeAspect="1"/>
-          </p:cNvPicPr>
-          <p:nvPr/>
-        </p:nvPicPr>
-        <p:blipFill>
-          <a:blip r:embed="rId4"/>
-          <a:stretch>
-            <a:fillRect/>
-          </a:stretch>
-        </p:blipFill>
-        <p:spPr>
-          <a:xfrm>
-            <a:off x="2116610" y="5179551"/>
-            <a:ext cx="7315200" cy="1465346"/>
-          </a:xfrm>
-          <a:prstGeom prst="rect">
-            <a:avLst/>
-          </a:prstGeom>
-          <a:ln>
-            <a:noFill/>
-          </a:ln>
-          <a:effectLst>
-            <a:outerShdw blurRad="190500" algn="tl" rotWithShape="0">
-              <a:srgbClr val="000000">
-                <a:alpha val="70000"/>
-              </a:srgbClr>
-            </a:outerShdw>
-          </a:effectLst>
-        </p:spPr>
-      </p:pic>
     </p:spTree>
     <p:extLst>
       <p:ext uri="{BB962C8B-B14F-4D97-AF65-F5344CB8AC3E}">
-        <p14:creationId xmlns:p14="http://schemas.microsoft.com/office/powerpoint/2010/main" val="3997625970"/>
+        <p14:creationId xmlns:p14="http://schemas.microsoft.com/office/powerpoint/2010/main" val="1604309199"/>
       </p:ext>
     </p:extLst>
   </p:cSld>
@@ -6732,8 +9005,8 @@
         </p:nvSpPr>
         <p:spPr>
           <a:xfrm>
-            <a:off x="294456" y="337556"/>
-            <a:ext cx="10750059" cy="584775"/>
+            <a:off x="3613355" y="280220"/>
+            <a:ext cx="4289957" cy="584775"/>
           </a:xfrm>
           <a:prstGeom prst="rect">
             <a:avLst/>
@@ -6748,7 +9021,11 @@
           <a:p>
             <a:r>
               <a:rPr lang="ru-RU" sz="3200" dirty="0" smtClean="0"/>
-              <a:t>Анализ необходимых эксплуатационных характеристик</a:t>
+              <a:t>Написание </a:t>
+            </a:r>
+            <a:r>
+              <a:rPr lang="en-US" sz="3200" dirty="0" err="1" smtClean="0"/>
+              <a:t>DockerFile</a:t>
             </a:r>
             <a:endParaRPr lang="ru-RU" sz="3200" dirty="0"/>
           </a:p>
@@ -6770,8 +9047,92 @@
         </p:blipFill>
         <p:spPr>
           <a:xfrm>
-            <a:off x="294456" y="2250380"/>
-            <a:ext cx="6714896" cy="3200400"/>
+            <a:off x="1062300" y="1218958"/>
+            <a:ext cx="9392068" cy="5275492"/>
+          </a:xfrm>
+          <a:prstGeom prst="rect">
+            <a:avLst/>
+          </a:prstGeom>
+        </p:spPr>
+      </p:pic>
+    </p:spTree>
+    <p:extLst>
+      <p:ext uri="{BB962C8B-B14F-4D97-AF65-F5344CB8AC3E}">
+        <p14:creationId xmlns:p14="http://schemas.microsoft.com/office/powerpoint/2010/main" val="3771304717"/>
+      </p:ext>
+    </p:extLst>
+  </p:cSld>
+  <p:clrMapOvr>
+    <a:masterClrMapping/>
+  </p:clrMapOvr>
+</p:sld>
+</file>
+
+<file path=ppt/slides/slide7.xml><?xml version="1.0" encoding="utf-8"?>
+<p:sld xmlns:a="http://schemas.openxmlformats.org/drawingml/2006/main" xmlns:r="http://schemas.openxmlformats.org/officeDocument/2006/relationships" xmlns:p="http://schemas.openxmlformats.org/presentationml/2006/main">
+  <p:cSld>
+    <p:spTree>
+      <p:nvGrpSpPr>
+        <p:cNvPr id="1" name=""/>
+        <p:cNvGrpSpPr/>
+        <p:nvPr/>
+      </p:nvGrpSpPr>
+      <p:grpSpPr>
+        <a:xfrm>
+          <a:off x="0" y="0"/>
+          <a:ext cx="0" cy="0"/>
+          <a:chOff x="0" y="0"/>
+          <a:chExt cx="0" cy="0"/>
+        </a:xfrm>
+      </p:grpSpPr>
+      <p:sp>
+        <p:nvSpPr>
+          <p:cNvPr id="2" name="TextBox 1"/>
+          <p:cNvSpPr txBox="1"/>
+          <p:nvPr/>
+        </p:nvSpPr>
+        <p:spPr>
+          <a:xfrm>
+            <a:off x="2581248" y="495714"/>
+            <a:ext cx="6914072" cy="584775"/>
+          </a:xfrm>
+          <a:prstGeom prst="rect">
+            <a:avLst/>
+          </a:prstGeom>
+          <a:noFill/>
+        </p:spPr>
+        <p:txBody>
+          <a:bodyPr wrap="none" rtlCol="0">
+            <a:spAutoFit/>
+          </a:bodyPr>
+          <a:lstStyle/>
+          <a:p>
+            <a:r>
+              <a:rPr lang="ru-RU" sz="3200" dirty="0" smtClean="0"/>
+              <a:t>Публикация приложения на сервер</a:t>
+            </a:r>
+            <a:endParaRPr lang="ru-RU" sz="3200" dirty="0"/>
+          </a:p>
+        </p:txBody>
+      </p:sp>
+      <p:pic>
+        <p:nvPicPr>
+          <p:cNvPr id="3" name="Рисунок 2"/>
+          <p:cNvPicPr>
+            <a:picLocks noChangeAspect="1"/>
+          </p:cNvPicPr>
+          <p:nvPr/>
+        </p:nvPicPr>
+        <p:blipFill>
+          <a:blip r:embed="rId2"/>
+          <a:stretch>
+            <a:fillRect/>
+          </a:stretch>
+        </p:blipFill>
+        <p:spPr>
+          <a:xfrm>
+            <a:off x="217586" y="4211349"/>
+            <a:ext cx="11729886" cy="830976"/>
           </a:xfrm>
           <a:prstGeom prst="rect">
             <a:avLst/>
@@ -6780,9 +9141,9 @@
             <a:noFill/>
           </a:ln>
           <a:effectLst>
-            <a:outerShdw blurRad="190500" algn="tl" rotWithShape="0">
-              <a:srgbClr val="000000">
-                <a:alpha val="70000"/>
+            <a:outerShdw blurRad="292100" dist="139700" dir="2700000" algn="tl" rotWithShape="0">
+              <a:srgbClr val="333333">
+                <a:alpha val="65000"/>
               </a:srgbClr>
             </a:outerShdw>
           </a:effectLst>
@@ -6804,8 +9165,8 @@
         </p:blipFill>
         <p:spPr>
           <a:xfrm>
-            <a:off x="7241931" y="2038914"/>
-            <a:ext cx="4566138" cy="3623332"/>
+            <a:off x="217586" y="3163211"/>
+            <a:ext cx="11729886" cy="594602"/>
           </a:xfrm>
           <a:prstGeom prst="rect">
             <a:avLst/>
@@ -6814,56 +9175,52 @@
             <a:noFill/>
           </a:ln>
           <a:effectLst>
-            <a:outerShdw blurRad="190500" algn="tl" rotWithShape="0">
-              <a:srgbClr val="000000">
-                <a:alpha val="70000"/>
+            <a:outerShdw blurRad="292100" dist="139700" dir="2700000" algn="tl" rotWithShape="0">
+              <a:srgbClr val="333333">
+                <a:alpha val="65000"/>
               </a:srgbClr>
             </a:outerShdw>
           </a:effectLst>
         </p:spPr>
       </p:pic>
-      <p:sp>
-        <p:nvSpPr>
-          <p:cNvPr id="5" name="TextBox 4"/>
-          <p:cNvSpPr txBox="1"/>
+      <p:pic>
+        <p:nvPicPr>
+          <p:cNvPr id="5" name="Рисунок 4"/>
+          <p:cNvPicPr>
+            <a:picLocks noChangeAspect="1"/>
+          </p:cNvPicPr>
           <p:nvPr/>
-        </p:nvSpPr>
-        <p:spPr>
-          <a:xfrm>
-            <a:off x="4748399" y="922331"/>
-            <a:ext cx="1842171" cy="584775"/>
+        </p:nvPicPr>
+        <p:blipFill>
+          <a:blip r:embed="rId4"/>
+          <a:stretch>
+            <a:fillRect/>
+          </a:stretch>
+        </p:blipFill>
+        <p:spPr>
+          <a:xfrm>
+            <a:off x="217586" y="2122201"/>
+            <a:ext cx="11729886" cy="587474"/>
           </a:xfrm>
           <a:prstGeom prst="rect">
             <a:avLst/>
           </a:prstGeom>
-          <a:noFill/>
-        </p:spPr>
-        <p:txBody>
-          <a:bodyPr wrap="none" rtlCol="0">
-            <a:spAutoFit/>
-          </a:bodyPr>
-          <a:lstStyle/>
-          <a:p>
-            <a:r>
-              <a:rPr lang="en-US" sz="3200" dirty="0" smtClean="0"/>
-              <a:t>(</a:t>
-            </a:r>
-            <a:r>
-              <a:rPr lang="ru-RU" sz="3200" dirty="0" smtClean="0"/>
-              <a:t>Клиент</a:t>
-            </a:r>
-            <a:r>
-              <a:rPr lang="en-US" sz="3200" dirty="0" smtClean="0"/>
-              <a:t>)</a:t>
-            </a:r>
-            <a:endParaRPr lang="ru-RU" sz="3200" dirty="0"/>
-          </a:p>
-        </p:txBody>
-      </p:sp>
+          <a:ln>
+            <a:noFill/>
+          </a:ln>
+          <a:effectLst>
+            <a:outerShdw blurRad="292100" dist="139700" dir="2700000" algn="tl" rotWithShape="0">
+              <a:srgbClr val="333333">
+                <a:alpha val="65000"/>
+              </a:srgbClr>
+            </a:outerShdw>
+          </a:effectLst>
+        </p:spPr>
+      </p:pic>
     </p:spTree>
     <p:extLst>
       <p:ext uri="{BB962C8B-B14F-4D97-AF65-F5344CB8AC3E}">
-        <p14:creationId xmlns:p14="http://schemas.microsoft.com/office/powerpoint/2010/main" val="4195405552"/>
+        <p14:creationId xmlns:p14="http://schemas.microsoft.com/office/powerpoint/2010/main" val="3581690668"/>
       </p:ext>
     </p:extLst>
   </p:cSld>
@@ -6873,7 +9230,136 @@
 </p:sld>
 </file>
 
-<file path=ppt/slides/slide7.xml><?xml version="1.0" encoding="utf-8"?>
+<file path=ppt/slides/slide8.xml><?xml version="1.0" encoding="utf-8"?>
+<p:sld xmlns:a="http://schemas.openxmlformats.org/drawingml/2006/main" xmlns:r="http://schemas.openxmlformats.org/officeDocument/2006/relationships" xmlns:p="http://schemas.openxmlformats.org/presentationml/2006/main">
+  <p:cSld>
+    <p:spTree>
+      <p:nvGrpSpPr>
+        <p:cNvPr id="1" name=""/>
+        <p:cNvGrpSpPr/>
+        <p:nvPr/>
+      </p:nvGrpSpPr>
+      <p:grpSpPr>
+        <a:xfrm>
+          <a:off x="0" y="0"/>
+          <a:ext cx="0" cy="0"/>
+          <a:chOff x="0" y="0"/>
+          <a:chExt cx="0" cy="0"/>
+        </a:xfrm>
+      </p:grpSpPr>
+      <p:sp>
+        <p:nvSpPr>
+          <p:cNvPr id="2" name="TextBox 1"/>
+          <p:cNvSpPr txBox="1"/>
+          <p:nvPr/>
+        </p:nvSpPr>
+        <p:spPr>
+          <a:xfrm>
+            <a:off x="649209" y="230243"/>
+            <a:ext cx="10471075" cy="1077218"/>
+          </a:xfrm>
+          <a:prstGeom prst="rect">
+            <a:avLst/>
+          </a:prstGeom>
+          <a:noFill/>
+        </p:spPr>
+        <p:txBody>
+          <a:bodyPr wrap="square" rtlCol="0">
+            <a:spAutoFit/>
+          </a:bodyPr>
+          <a:lstStyle/>
+          <a:p>
+            <a:pPr algn="ctr"/>
+            <a:r>
+              <a:rPr lang="ru-RU" sz="3200" dirty="0" smtClean="0"/>
+              <a:t>Создание скриптов для автоматической публикации приложения</a:t>
+            </a:r>
+            <a:endParaRPr lang="ru-RU" sz="3200" dirty="0"/>
+          </a:p>
+        </p:txBody>
+      </p:sp>
+      <p:pic>
+        <p:nvPicPr>
+          <p:cNvPr id="3" name="Рисунок 2"/>
+          <p:cNvPicPr>
+            <a:picLocks noChangeAspect="1"/>
+          </p:cNvPicPr>
+          <p:nvPr/>
+        </p:nvPicPr>
+        <p:blipFill>
+          <a:blip r:embed="rId2"/>
+          <a:stretch>
+            <a:fillRect/>
+          </a:stretch>
+        </p:blipFill>
+        <p:spPr>
+          <a:xfrm>
+            <a:off x="137933" y="1699219"/>
+            <a:ext cx="11882002" cy="1542270"/>
+          </a:xfrm>
+          <a:prstGeom prst="rect">
+            <a:avLst/>
+          </a:prstGeom>
+          <a:ln>
+            <a:noFill/>
+          </a:ln>
+          <a:effectLst>
+            <a:outerShdw blurRad="292100" dist="139700" dir="2700000" algn="tl" rotWithShape="0">
+              <a:srgbClr val="333333">
+                <a:alpha val="65000"/>
+              </a:srgbClr>
+            </a:outerShdw>
+          </a:effectLst>
+        </p:spPr>
+      </p:pic>
+      <p:pic>
+        <p:nvPicPr>
+          <p:cNvPr id="4" name="Рисунок 3"/>
+          <p:cNvPicPr>
+            <a:picLocks noChangeAspect="1"/>
+          </p:cNvPicPr>
+          <p:nvPr/>
+        </p:nvPicPr>
+        <p:blipFill>
+          <a:blip r:embed="rId3"/>
+          <a:stretch>
+            <a:fillRect/>
+          </a:stretch>
+        </p:blipFill>
+        <p:spPr>
+          <a:xfrm>
+            <a:off x="510735" y="3633247"/>
+            <a:ext cx="10748022" cy="2835366"/>
+          </a:xfrm>
+          <a:prstGeom prst="rect">
+            <a:avLst/>
+          </a:prstGeom>
+          <a:ln>
+            <a:noFill/>
+          </a:ln>
+          <a:effectLst>
+            <a:outerShdw blurRad="292100" dist="139700" dir="2700000" algn="tl" rotWithShape="0">
+              <a:srgbClr val="333333">
+                <a:alpha val="65000"/>
+              </a:srgbClr>
+            </a:outerShdw>
+          </a:effectLst>
+        </p:spPr>
+      </p:pic>
+    </p:spTree>
+    <p:extLst>
+      <p:ext uri="{BB962C8B-B14F-4D97-AF65-F5344CB8AC3E}">
+        <p14:creationId xmlns:p14="http://schemas.microsoft.com/office/powerpoint/2010/main" val="356570732"/>
+      </p:ext>
+    </p:extLst>
+  </p:cSld>
+  <p:clrMapOvr>
+    <a:masterClrMapping/>
+  </p:clrMapOvr>
+</p:sld>
+</file>
+
+<file path=ppt/slides/slide9.xml><?xml version="1.0" encoding="utf-8"?>
 <p:sld xmlns:a="http://schemas.openxmlformats.org/drawingml/2006/main" xmlns:r="http://schemas.openxmlformats.org/officeDocument/2006/relationships" xmlns:p="http://schemas.openxmlformats.org/presentationml/2006/main">
   <p:cSld>
     <p:spTree>
@@ -6906,8 +9392,8 @@
         </p:blipFill>
         <p:spPr>
           <a:xfrm>
-            <a:off x="408756" y="2342143"/>
-            <a:ext cx="6477272" cy="1591616"/>
+            <a:off x="610464" y="1135626"/>
+            <a:ext cx="10764594" cy="5501148"/>
           </a:xfrm>
           <a:prstGeom prst="rect">
             <a:avLst/>
@@ -6916,9 +9402,9 @@
             <a:noFill/>
           </a:ln>
           <a:effectLst>
-            <a:outerShdw blurRad="190500" algn="tl" rotWithShape="0">
-              <a:srgbClr val="000000">
-                <a:alpha val="70000"/>
+            <a:outerShdw blurRad="292100" dist="139700" dir="2700000" algn="tl" rotWithShape="0">
+              <a:srgbClr val="333333">
+                <a:alpha val="65000"/>
               </a:srgbClr>
             </a:outerShdw>
           </a:effectLst>
@@ -6932,8 +9418,8 @@
         </p:nvSpPr>
         <p:spPr>
           <a:xfrm>
-            <a:off x="294456" y="337556"/>
-            <a:ext cx="10750059" cy="584775"/>
+            <a:off x="1712582" y="250722"/>
+            <a:ext cx="8560357" cy="584775"/>
           </a:xfrm>
           <a:prstGeom prst="rect">
             <a:avLst/>
@@ -6948,561 +9434,22 @@
           <a:p>
             <a:r>
               <a:rPr lang="ru-RU" sz="3200" dirty="0" smtClean="0"/>
-              <a:t>Анализ необходимых эксплуатационных характеристик</a:t>
+              <a:t>Результат установки приложения на сервер</a:t>
             </a:r>
             <a:endParaRPr lang="ru-RU" sz="3200" dirty="0"/>
-          </a:p>
-        </p:txBody>
-      </p:sp>
-      <p:sp>
-        <p:nvSpPr>
-          <p:cNvPr id="4" name="TextBox 3"/>
-          <p:cNvSpPr txBox="1"/>
-          <p:nvPr/>
-        </p:nvSpPr>
-        <p:spPr>
-          <a:xfrm>
-            <a:off x="4748399" y="922331"/>
-            <a:ext cx="1846980" cy="584775"/>
-          </a:xfrm>
-          <a:prstGeom prst="rect">
-            <a:avLst/>
-          </a:prstGeom>
-          <a:noFill/>
-        </p:spPr>
-        <p:txBody>
-          <a:bodyPr wrap="none" rtlCol="0">
-            <a:spAutoFit/>
-          </a:bodyPr>
-          <a:lstStyle/>
-          <a:p>
-            <a:r>
-              <a:rPr lang="en-US" sz="3200" dirty="0" smtClean="0"/>
-              <a:t>(</a:t>
-            </a:r>
-            <a:r>
-              <a:rPr lang="ru-RU" sz="3200" dirty="0" smtClean="0"/>
-              <a:t>Сервер</a:t>
-            </a:r>
-            <a:r>
-              <a:rPr lang="en-US" sz="3200" dirty="0" smtClean="0"/>
-              <a:t>)</a:t>
-            </a:r>
-            <a:endParaRPr lang="ru-RU" sz="3200" dirty="0"/>
-          </a:p>
-        </p:txBody>
-      </p:sp>
-      <p:sp>
-        <p:nvSpPr>
-          <p:cNvPr id="5" name="TextBox 4"/>
-          <p:cNvSpPr txBox="1"/>
-          <p:nvPr/>
-        </p:nvSpPr>
-        <p:spPr>
-          <a:xfrm>
-            <a:off x="3161980" y="1757368"/>
-            <a:ext cx="970824" cy="461665"/>
-          </a:xfrm>
-          <a:prstGeom prst="rect">
-            <a:avLst/>
-          </a:prstGeom>
-          <a:noFill/>
-        </p:spPr>
-        <p:txBody>
-          <a:bodyPr wrap="square" rtlCol="0">
-            <a:spAutoFit/>
-          </a:bodyPr>
-          <a:lstStyle/>
-          <a:p>
-            <a:r>
-              <a:rPr lang="en-US" sz="2400" dirty="0" err="1" smtClean="0"/>
-              <a:t>MySql</a:t>
-            </a:r>
-            <a:endParaRPr lang="ru-RU" sz="2400" dirty="0"/>
-          </a:p>
-        </p:txBody>
-      </p:sp>
-      <p:pic>
-        <p:nvPicPr>
-          <p:cNvPr id="6" name="Рисунок 5"/>
-          <p:cNvPicPr>
-            <a:picLocks noChangeAspect="1"/>
-          </p:cNvPicPr>
-          <p:nvPr/>
-        </p:nvPicPr>
-        <p:blipFill>
-          <a:blip r:embed="rId3"/>
-          <a:stretch>
-            <a:fillRect/>
-          </a:stretch>
-        </p:blipFill>
-        <p:spPr>
-          <a:xfrm>
-            <a:off x="408756" y="4522579"/>
-            <a:ext cx="6816970" cy="1830482"/>
-          </a:xfrm>
-          <a:prstGeom prst="rect">
-            <a:avLst/>
-          </a:prstGeom>
-          <a:ln>
-            <a:noFill/>
-          </a:ln>
-          <a:effectLst>
-            <a:outerShdw blurRad="190500" algn="tl" rotWithShape="0">
-              <a:srgbClr val="000000">
-                <a:alpha val="70000"/>
-              </a:srgbClr>
-            </a:outerShdw>
-          </a:effectLst>
-        </p:spPr>
-      </p:pic>
-      <p:sp>
-        <p:nvSpPr>
-          <p:cNvPr id="7" name="TextBox 6"/>
-          <p:cNvSpPr txBox="1"/>
-          <p:nvPr/>
-        </p:nvSpPr>
-        <p:spPr>
-          <a:xfrm>
-            <a:off x="3249617" y="3933759"/>
-            <a:ext cx="1135247" cy="461665"/>
-          </a:xfrm>
-          <a:prstGeom prst="rect">
-            <a:avLst/>
-          </a:prstGeom>
-          <a:noFill/>
-        </p:spPr>
-        <p:txBody>
-          <a:bodyPr wrap="none" rtlCol="0">
-            <a:spAutoFit/>
-          </a:bodyPr>
-          <a:lstStyle/>
-          <a:p>
-            <a:r>
-              <a:rPr lang="en-US" sz="2400" dirty="0" smtClean="0"/>
-              <a:t>Docker</a:t>
-            </a:r>
-            <a:endParaRPr lang="ru-RU" sz="2400" dirty="0"/>
-          </a:p>
-        </p:txBody>
-      </p:sp>
-      <p:pic>
-        <p:nvPicPr>
-          <p:cNvPr id="8" name="Рисунок 7"/>
-          <p:cNvPicPr>
-            <a:picLocks noChangeAspect="1"/>
-          </p:cNvPicPr>
-          <p:nvPr/>
-        </p:nvPicPr>
-        <p:blipFill>
-          <a:blip r:embed="rId4"/>
-          <a:stretch>
-            <a:fillRect/>
-          </a:stretch>
-        </p:blipFill>
-        <p:spPr>
-          <a:xfrm>
-            <a:off x="7729222" y="2587806"/>
-            <a:ext cx="3450878" cy="3153572"/>
-          </a:xfrm>
-          <a:prstGeom prst="rect">
-            <a:avLst/>
-          </a:prstGeom>
-          <a:ln>
-            <a:noFill/>
-          </a:ln>
-          <a:effectLst>
-            <a:outerShdw blurRad="190500" algn="tl" rotWithShape="0">
-              <a:srgbClr val="000000">
-                <a:alpha val="70000"/>
-              </a:srgbClr>
-            </a:outerShdw>
-          </a:effectLst>
-        </p:spPr>
-      </p:pic>
-      <p:sp>
-        <p:nvSpPr>
-          <p:cNvPr id="9" name="TextBox 8"/>
-          <p:cNvSpPr txBox="1"/>
-          <p:nvPr/>
-        </p:nvSpPr>
-        <p:spPr>
-          <a:xfrm>
-            <a:off x="8747428" y="1988201"/>
-            <a:ext cx="1414466" cy="461665"/>
-          </a:xfrm>
-          <a:prstGeom prst="rect">
-            <a:avLst/>
-          </a:prstGeom>
-          <a:noFill/>
-        </p:spPr>
-        <p:txBody>
-          <a:bodyPr wrap="square" rtlCol="0">
-            <a:spAutoFit/>
-          </a:bodyPr>
-          <a:lstStyle/>
-          <a:p>
-            <a:r>
-              <a:rPr lang="en-US" sz="2400" dirty="0" smtClean="0"/>
-              <a:t>Centos 8</a:t>
-            </a:r>
-            <a:endParaRPr lang="ru-RU" sz="2400" dirty="0"/>
           </a:p>
         </p:txBody>
       </p:sp>
     </p:spTree>
     <p:extLst>
       <p:ext uri="{BB962C8B-B14F-4D97-AF65-F5344CB8AC3E}">
-        <p14:creationId xmlns:p14="http://schemas.microsoft.com/office/powerpoint/2010/main" val="3103713382"/>
+        <p14:creationId xmlns:p14="http://schemas.microsoft.com/office/powerpoint/2010/main" val="2606688402"/>
       </p:ext>
     </p:extLst>
   </p:cSld>
   <p:clrMapOvr>
     <a:masterClrMapping/>
   </p:clrMapOvr>
-</p:sld>
-</file>
-
-<file path=ppt/slides/slide8.xml><?xml version="1.0" encoding="utf-8"?>
-<p:sld xmlns:a="http://schemas.openxmlformats.org/drawingml/2006/main" xmlns:r="http://schemas.openxmlformats.org/officeDocument/2006/relationships" xmlns:p="http://schemas.openxmlformats.org/presentationml/2006/main">
-  <p:cSld>
-    <p:spTree>
-      <p:nvGrpSpPr>
-        <p:cNvPr id="1" name=""/>
-        <p:cNvGrpSpPr/>
-        <p:nvPr/>
-      </p:nvGrpSpPr>
-      <p:grpSpPr>
-        <a:xfrm>
-          <a:off x="0" y="0"/>
-          <a:ext cx="0" cy="0"/>
-          <a:chOff x="0" y="0"/>
-          <a:chExt cx="0" cy="0"/>
-        </a:xfrm>
-      </p:grpSpPr>
-      <p:sp>
-        <p:nvSpPr>
-          <p:cNvPr id="2" name="Заголовок 1"/>
-          <p:cNvSpPr txBox="1">
-            <a:spLocks/>
-          </p:cNvSpPr>
-          <p:nvPr/>
-        </p:nvSpPr>
-        <p:spPr>
-          <a:xfrm>
-            <a:off x="1339794" y="2516588"/>
-            <a:ext cx="8955555" cy="1701260"/>
-          </a:xfrm>
-          <a:prstGeom prst="rect">
-            <a:avLst/>
-          </a:prstGeom>
-        </p:spPr>
-        <p:txBody>
-          <a:bodyPr>
-            <a:normAutofit fontScale="90000" lnSpcReduction="20000"/>
-          </a:bodyPr>
-          <a:lstStyle>
-            <a:lvl1pPr algn="l" defTabSz="457200" rtl="0" eaLnBrk="1" latinLnBrk="0" hangingPunct="1">
-              <a:spcBef>
-                <a:spcPct val="0"/>
-              </a:spcBef>
-              <a:buNone/>
-              <a:defRPr sz="3600" kern="1200">
-                <a:solidFill>
-                  <a:schemeClr val="accent1"/>
-                </a:solidFill>
-                <a:latin typeface="+mj-lt"/>
-                <a:ea typeface="+mj-ea"/>
-                <a:cs typeface="+mj-cs"/>
-              </a:defRPr>
-            </a:lvl1pPr>
-            <a:lvl2pPr eaLnBrk="1" hangingPunct="1">
-              <a:defRPr>
-                <a:solidFill>
-                  <a:schemeClr val="tx2"/>
-                </a:solidFill>
-              </a:defRPr>
-            </a:lvl2pPr>
-            <a:lvl3pPr eaLnBrk="1" hangingPunct="1">
-              <a:defRPr>
-                <a:solidFill>
-                  <a:schemeClr val="tx2"/>
-                </a:solidFill>
-              </a:defRPr>
-            </a:lvl3pPr>
-            <a:lvl4pPr eaLnBrk="1" hangingPunct="1">
-              <a:defRPr>
-                <a:solidFill>
-                  <a:schemeClr val="tx2"/>
-                </a:solidFill>
-              </a:defRPr>
-            </a:lvl4pPr>
-            <a:lvl5pPr eaLnBrk="1" hangingPunct="1">
-              <a:defRPr>
-                <a:solidFill>
-                  <a:schemeClr val="tx2"/>
-                </a:solidFill>
-              </a:defRPr>
-            </a:lvl5pPr>
-            <a:lvl6pPr eaLnBrk="1" hangingPunct="1">
-              <a:defRPr>
-                <a:solidFill>
-                  <a:schemeClr val="tx2"/>
-                </a:solidFill>
-              </a:defRPr>
-            </a:lvl6pPr>
-            <a:lvl7pPr eaLnBrk="1" hangingPunct="1">
-              <a:defRPr>
-                <a:solidFill>
-                  <a:schemeClr val="tx2"/>
-                </a:solidFill>
-              </a:defRPr>
-            </a:lvl7pPr>
-            <a:lvl8pPr eaLnBrk="1" hangingPunct="1">
-              <a:defRPr>
-                <a:solidFill>
-                  <a:schemeClr val="tx2"/>
-                </a:solidFill>
-              </a:defRPr>
-            </a:lvl8pPr>
-            <a:lvl9pPr eaLnBrk="1" hangingPunct="1">
-              <a:defRPr>
-                <a:solidFill>
-                  <a:schemeClr val="tx2"/>
-                </a:solidFill>
-              </a:defRPr>
-            </a:lvl9pPr>
-          </a:lstStyle>
-          <a:p>
-            <a:pPr algn="ctr"/>
-            <a:r>
-              <a:rPr lang="ru-RU" dirty="0"/>
-              <a:t>ПК 4.3 Выполнять работы по модификации отдельных компонент программного обеспечения в соответствии с потребностями заказчика</a:t>
-            </a:r>
-          </a:p>
-        </p:txBody>
-      </p:sp>
-      <p:sp>
-        <p:nvSpPr>
-          <p:cNvPr id="3" name="TextBox 2"/>
-          <p:cNvSpPr txBox="1"/>
-          <p:nvPr/>
-        </p:nvSpPr>
-        <p:spPr>
-          <a:xfrm>
-            <a:off x="465992" y="6348046"/>
-            <a:ext cx="1447832" cy="369332"/>
-          </a:xfrm>
-          <a:prstGeom prst="rect">
-            <a:avLst/>
-          </a:prstGeom>
-          <a:noFill/>
-        </p:spPr>
-        <p:txBody>
-          <a:bodyPr wrap="none" rtlCol="0">
-            <a:spAutoFit/>
-          </a:bodyPr>
-          <a:lstStyle/>
-          <a:p>
-            <a:r>
-              <a:rPr lang="ru-RU" dirty="0" smtClean="0"/>
-              <a:t>На примере</a:t>
-            </a:r>
-            <a:endParaRPr lang="ru-RU" dirty="0"/>
-          </a:p>
-        </p:txBody>
-      </p:sp>
-    </p:spTree>
-    <p:extLst>
-      <p:ext uri="{BB962C8B-B14F-4D97-AF65-F5344CB8AC3E}">
-        <p14:creationId xmlns:p14="http://schemas.microsoft.com/office/powerpoint/2010/main" val="3846605954"/>
-      </p:ext>
-    </p:extLst>
-  </p:cSld>
-  <p:clrMapOvr>
-    <a:masterClrMapping/>
-  </p:clrMapOvr>
-  <p:timing>
-    <p:tnLst>
-      <p:par>
-        <p:cTn id="1" dur="indefinite" restart="never" nodeType="tmRoot"/>
-      </p:par>
-    </p:tnLst>
-  </p:timing>
-</p:sld>
-</file>
-
-<file path=ppt/slides/slide9.xml><?xml version="1.0" encoding="utf-8"?>
-<p:sld xmlns:a="http://schemas.openxmlformats.org/drawingml/2006/main" xmlns:r="http://schemas.openxmlformats.org/officeDocument/2006/relationships" xmlns:p="http://schemas.openxmlformats.org/presentationml/2006/main">
-  <p:cSld>
-    <p:spTree>
-      <p:nvGrpSpPr>
-        <p:cNvPr id="1" name=""/>
-        <p:cNvGrpSpPr/>
-        <p:nvPr/>
-      </p:nvGrpSpPr>
-      <p:grpSpPr>
-        <a:xfrm>
-          <a:off x="0" y="0"/>
-          <a:ext cx="0" cy="0"/>
-          <a:chOff x="0" y="0"/>
-          <a:chExt cx="0" cy="0"/>
-        </a:xfrm>
-      </p:grpSpPr>
-      <p:sp>
-        <p:nvSpPr>
-          <p:cNvPr id="2" name="Заголовок 1"/>
-          <p:cNvSpPr txBox="1">
-            <a:spLocks/>
-          </p:cNvSpPr>
-          <p:nvPr/>
-        </p:nvSpPr>
-        <p:spPr>
-          <a:xfrm>
-            <a:off x="1339794" y="2516588"/>
-            <a:ext cx="8955555" cy="1701260"/>
-          </a:xfrm>
-          <a:prstGeom prst="rect">
-            <a:avLst/>
-          </a:prstGeom>
-        </p:spPr>
-        <p:txBody>
-          <a:bodyPr>
-            <a:normAutofit fontScale="90000"/>
-          </a:bodyPr>
-          <a:lstStyle>
-            <a:lvl1pPr algn="l" defTabSz="457200" rtl="0" eaLnBrk="1" latinLnBrk="0" hangingPunct="1">
-              <a:spcBef>
-                <a:spcPct val="0"/>
-              </a:spcBef>
-              <a:buNone/>
-              <a:defRPr sz="3600" kern="1200">
-                <a:solidFill>
-                  <a:schemeClr val="accent1"/>
-                </a:solidFill>
-                <a:latin typeface="+mj-lt"/>
-                <a:ea typeface="+mj-ea"/>
-                <a:cs typeface="+mj-cs"/>
-              </a:defRPr>
-            </a:lvl1pPr>
-            <a:lvl2pPr eaLnBrk="1" hangingPunct="1">
-              <a:defRPr>
-                <a:solidFill>
-                  <a:schemeClr val="tx2"/>
-                </a:solidFill>
-              </a:defRPr>
-            </a:lvl2pPr>
-            <a:lvl3pPr eaLnBrk="1" hangingPunct="1">
-              <a:defRPr>
-                <a:solidFill>
-                  <a:schemeClr val="tx2"/>
-                </a:solidFill>
-              </a:defRPr>
-            </a:lvl3pPr>
-            <a:lvl4pPr eaLnBrk="1" hangingPunct="1">
-              <a:defRPr>
-                <a:solidFill>
-                  <a:schemeClr val="tx2"/>
-                </a:solidFill>
-              </a:defRPr>
-            </a:lvl4pPr>
-            <a:lvl5pPr eaLnBrk="1" hangingPunct="1">
-              <a:defRPr>
-                <a:solidFill>
-                  <a:schemeClr val="tx2"/>
-                </a:solidFill>
-              </a:defRPr>
-            </a:lvl5pPr>
-            <a:lvl6pPr eaLnBrk="1" hangingPunct="1">
-              <a:defRPr>
-                <a:solidFill>
-                  <a:schemeClr val="tx2"/>
-                </a:solidFill>
-              </a:defRPr>
-            </a:lvl6pPr>
-            <a:lvl7pPr eaLnBrk="1" hangingPunct="1">
-              <a:defRPr>
-                <a:solidFill>
-                  <a:schemeClr val="tx2"/>
-                </a:solidFill>
-              </a:defRPr>
-            </a:lvl7pPr>
-            <a:lvl8pPr eaLnBrk="1" hangingPunct="1">
-              <a:defRPr>
-                <a:solidFill>
-                  <a:schemeClr val="tx2"/>
-                </a:solidFill>
-              </a:defRPr>
-            </a:lvl8pPr>
-            <a:lvl9pPr eaLnBrk="1" hangingPunct="1">
-              <a:defRPr>
-                <a:solidFill>
-                  <a:schemeClr val="tx2"/>
-                </a:solidFill>
-              </a:defRPr>
-            </a:lvl9pPr>
-          </a:lstStyle>
-          <a:p>
-            <a:pPr algn="ctr"/>
-            <a:r>
-              <a:rPr lang="ru-RU" dirty="0"/>
-              <a:t>ПК 4.4 Обеспечивать защиту программного обеспечения компьютерных систем программными </a:t>
-            </a:r>
-            <a:r>
-              <a:rPr lang="ru-RU" dirty="0" smtClean="0"/>
-              <a:t>средствами</a:t>
-            </a:r>
-            <a:endParaRPr lang="ru-RU" dirty="0"/>
-          </a:p>
-        </p:txBody>
-      </p:sp>
-      <p:sp>
-        <p:nvSpPr>
-          <p:cNvPr id="3" name="TextBox 2"/>
-          <p:cNvSpPr txBox="1"/>
-          <p:nvPr/>
-        </p:nvSpPr>
-        <p:spPr>
-          <a:xfrm>
-            <a:off x="465992" y="6348046"/>
-            <a:ext cx="1447832" cy="369332"/>
-          </a:xfrm>
-          <a:prstGeom prst="rect">
-            <a:avLst/>
-          </a:prstGeom>
-          <a:noFill/>
-        </p:spPr>
-        <p:txBody>
-          <a:bodyPr wrap="none" rtlCol="0">
-            <a:spAutoFit/>
-          </a:bodyPr>
-          <a:lstStyle/>
-          <a:p>
-            <a:r>
-              <a:rPr lang="ru-RU" dirty="0" smtClean="0"/>
-              <a:t>На примере</a:t>
-            </a:r>
-            <a:endParaRPr lang="ru-RU" dirty="0"/>
-          </a:p>
-        </p:txBody>
-      </p:sp>
-    </p:spTree>
-    <p:extLst>
-      <p:ext uri="{BB962C8B-B14F-4D97-AF65-F5344CB8AC3E}">
-        <p14:creationId xmlns:p14="http://schemas.microsoft.com/office/powerpoint/2010/main" val="4046521736"/>
-      </p:ext>
-    </p:extLst>
-  </p:cSld>
-  <p:clrMapOvr>
-    <a:masterClrMapping/>
-  </p:clrMapOvr>
-  <p:timing>
-    <p:tnLst>
-      <p:par>
-        <p:cTn id="1" dur="indefinite" restart="never" nodeType="tmRoot"/>
-      </p:par>
-    </p:tnLst>
-  </p:timing>
 </p:sld>
 </file>
 
